--- a/ML - Machine Learning/Notes/Accuracy_Measures.pptx
+++ b/ML - Machine Learning/Notes/Accuracy_Measures.pptx
@@ -234,7 +234,7 @@
           <a:p>
             <a:fld id="{085C84BD-ABD3-4E25-BD73-0C66B42B73E0}" type="datetimeFigureOut">
               <a:rPr lang="en-IN" smtClean="0"/>
-              <a:t>29-10-2021</a:t>
+              <a:t>18/02/22</a:t>
             </a:fld>
             <a:endParaRPr lang="en-IN"/>
           </a:p>
@@ -298,35 +298,35 @@
           <a:p>
             <a:pPr lvl="0"/>
             <a:r>
-              <a:rPr lang="en-US" smtClean="0"/>
+              <a:rPr lang="en-US"/>
               <a:t>Click to edit Master text styles</a:t>
             </a:r>
           </a:p>
           <a:p>
             <a:pPr lvl="1"/>
             <a:r>
-              <a:rPr lang="en-US" smtClean="0"/>
+              <a:rPr lang="en-US"/>
               <a:t>Second level</a:t>
             </a:r>
           </a:p>
           <a:p>
             <a:pPr lvl="2"/>
             <a:r>
-              <a:rPr lang="en-US" smtClean="0"/>
+              <a:rPr lang="en-US"/>
               <a:t>Third level</a:t>
             </a:r>
           </a:p>
           <a:p>
             <a:pPr lvl="3"/>
             <a:r>
-              <a:rPr lang="en-US" smtClean="0"/>
+              <a:rPr lang="en-US"/>
               <a:t>Fourth level</a:t>
             </a:r>
           </a:p>
           <a:p>
             <a:pPr lvl="4"/>
             <a:r>
-              <a:rPr lang="en-US" smtClean="0"/>
+              <a:rPr lang="en-US"/>
               <a:t>Fifth level</a:t>
             </a:r>
             <a:endParaRPr lang="en-IN"/>
@@ -570,7 +570,7 @@
           <a:bodyPr/>
           <a:lstStyle/>
           <a:p>
-            <a:endParaRPr lang="en-US" smtClean="0"/>
+            <a:endParaRPr lang="en-US"/>
           </a:p>
         </p:txBody>
       </p:sp>
@@ -655,7 +655,7 @@
           <a:bodyPr/>
           <a:lstStyle/>
           <a:p>
-            <a:endParaRPr lang="en-US" smtClean="0"/>
+            <a:endParaRPr lang="en-US"/>
           </a:p>
         </p:txBody>
       </p:sp>
@@ -740,7 +740,7 @@
           <a:bodyPr/>
           <a:lstStyle/>
           <a:p>
-            <a:endParaRPr lang="en-US" smtClean="0"/>
+            <a:endParaRPr lang="en-US"/>
           </a:p>
         </p:txBody>
       </p:sp>
@@ -825,7 +825,7 @@
           <a:bodyPr/>
           <a:lstStyle/>
           <a:p>
-            <a:endParaRPr lang="en-US" smtClean="0"/>
+            <a:endParaRPr lang="en-US"/>
           </a:p>
         </p:txBody>
       </p:sp>
@@ -910,7 +910,7 @@
           <a:bodyPr/>
           <a:lstStyle/>
           <a:p>
-            <a:endParaRPr lang="en-US" smtClean="0"/>
+            <a:endParaRPr lang="en-US"/>
           </a:p>
         </p:txBody>
       </p:sp>
@@ -995,7 +995,7 @@
           <a:bodyPr/>
           <a:lstStyle/>
           <a:p>
-            <a:endParaRPr lang="en-US" smtClean="0"/>
+            <a:endParaRPr lang="en-US"/>
           </a:p>
         </p:txBody>
       </p:sp>
@@ -1080,7 +1080,7 @@
           <a:bodyPr/>
           <a:lstStyle/>
           <a:p>
-            <a:endParaRPr lang="en-US" smtClean="0"/>
+            <a:endParaRPr lang="en-US"/>
           </a:p>
         </p:txBody>
       </p:sp>
@@ -1165,7 +1165,7 @@
           <a:bodyPr/>
           <a:lstStyle/>
           <a:p>
-            <a:endParaRPr lang="en-US" smtClean="0"/>
+            <a:endParaRPr lang="en-US"/>
           </a:p>
         </p:txBody>
       </p:sp>
@@ -1250,7 +1250,7 @@
           <a:bodyPr/>
           <a:lstStyle/>
           <a:p>
-            <a:endParaRPr lang="en-US" smtClean="0"/>
+            <a:endParaRPr lang="en-US"/>
           </a:p>
         </p:txBody>
       </p:sp>
@@ -1502,7 +1502,7 @@
           <a:bodyPr lIns="87348" tIns="43673" rIns="87348" bIns="43673"/>
           <a:lstStyle/>
           <a:p>
-            <a:endParaRPr lang="en-US" smtClean="0"/>
+            <a:endParaRPr lang="en-US"/>
           </a:p>
         </p:txBody>
       </p:sp>
@@ -1746,7 +1746,7 @@
           <a:bodyPr lIns="87348" tIns="43673" rIns="87348" bIns="43673"/>
           <a:lstStyle/>
           <a:p>
-            <a:endParaRPr lang="en-US" smtClean="0"/>
+            <a:endParaRPr lang="en-US"/>
           </a:p>
         </p:txBody>
       </p:sp>
@@ -1986,7 +1986,7 @@
           <a:bodyPr/>
           <a:lstStyle/>
           <a:p>
-            <a:endParaRPr lang="en-US" smtClean="0"/>
+            <a:endParaRPr lang="en-US"/>
           </a:p>
         </p:txBody>
       </p:sp>
@@ -2071,7 +2071,7 @@
           <a:bodyPr/>
           <a:lstStyle/>
           <a:p>
-            <a:endParaRPr lang="en-US" smtClean="0"/>
+            <a:endParaRPr lang="en-US"/>
           </a:p>
         </p:txBody>
       </p:sp>
@@ -2130,7 +2130,7 @@
           </a:lstStyle>
           <a:p>
             <a:r>
-              <a:rPr lang="en-US" smtClean="0"/>
+              <a:rPr lang="en-US"/>
               <a:t>Click to edit Master title style</a:t>
             </a:r>
             <a:endParaRPr lang="en-IN"/>
@@ -2195,7 +2195,7 @@
           </a:lstStyle>
           <a:p>
             <a:r>
-              <a:rPr lang="en-US" smtClean="0"/>
+              <a:rPr lang="en-US"/>
               <a:t>Click to edit Master subtitle style</a:t>
             </a:r>
             <a:endParaRPr lang="en-IN"/>
@@ -2219,7 +2219,7 @@
           <a:p>
             <a:fld id="{F3331C0A-1FBA-43A8-8F86-74AB66CB0E85}" type="datetimeFigureOut">
               <a:rPr lang="en-IN" smtClean="0"/>
-              <a:t>29-10-2021</a:t>
+              <a:t>18/02/22</a:t>
             </a:fld>
             <a:endParaRPr lang="en-IN"/>
           </a:p>
@@ -2313,7 +2313,7 @@
           <a:lstStyle/>
           <a:p>
             <a:r>
-              <a:rPr lang="en-US" smtClean="0"/>
+              <a:rPr lang="en-US"/>
               <a:t>Click to edit Master title style</a:t>
             </a:r>
             <a:endParaRPr lang="en-IN"/>
@@ -2337,35 +2337,35 @@
           <a:p>
             <a:pPr lvl="0"/>
             <a:r>
-              <a:rPr lang="en-US" smtClean="0"/>
+              <a:rPr lang="en-US"/>
               <a:t>Click to edit Master text styles</a:t>
             </a:r>
           </a:p>
           <a:p>
             <a:pPr lvl="1"/>
             <a:r>
-              <a:rPr lang="en-US" smtClean="0"/>
+              <a:rPr lang="en-US"/>
               <a:t>Second level</a:t>
             </a:r>
           </a:p>
           <a:p>
             <a:pPr lvl="2"/>
             <a:r>
-              <a:rPr lang="en-US" smtClean="0"/>
+              <a:rPr lang="en-US"/>
               <a:t>Third level</a:t>
             </a:r>
           </a:p>
           <a:p>
             <a:pPr lvl="3"/>
             <a:r>
-              <a:rPr lang="en-US" smtClean="0"/>
+              <a:rPr lang="en-US"/>
               <a:t>Fourth level</a:t>
             </a:r>
           </a:p>
           <a:p>
             <a:pPr lvl="4"/>
             <a:r>
-              <a:rPr lang="en-US" smtClean="0"/>
+              <a:rPr lang="en-US"/>
               <a:t>Fifth level</a:t>
             </a:r>
             <a:endParaRPr lang="en-IN"/>
@@ -2389,7 +2389,7 @@
           <a:p>
             <a:fld id="{F3331C0A-1FBA-43A8-8F86-74AB66CB0E85}" type="datetimeFigureOut">
               <a:rPr lang="en-IN" smtClean="0"/>
-              <a:t>29-10-2021</a:t>
+              <a:t>18/02/22</a:t>
             </a:fld>
             <a:endParaRPr lang="en-IN"/>
           </a:p>
@@ -2488,7 +2488,7 @@
           <a:lstStyle/>
           <a:p>
             <a:r>
-              <a:rPr lang="en-US" smtClean="0"/>
+              <a:rPr lang="en-US"/>
               <a:t>Click to edit Master title style</a:t>
             </a:r>
             <a:endParaRPr lang="en-IN"/>
@@ -2517,35 +2517,35 @@
           <a:p>
             <a:pPr lvl="0"/>
             <a:r>
-              <a:rPr lang="en-US" smtClean="0"/>
+              <a:rPr lang="en-US"/>
               <a:t>Click to edit Master text styles</a:t>
             </a:r>
           </a:p>
           <a:p>
             <a:pPr lvl="1"/>
             <a:r>
-              <a:rPr lang="en-US" smtClean="0"/>
+              <a:rPr lang="en-US"/>
               <a:t>Second level</a:t>
             </a:r>
           </a:p>
           <a:p>
             <a:pPr lvl="2"/>
             <a:r>
-              <a:rPr lang="en-US" smtClean="0"/>
+              <a:rPr lang="en-US"/>
               <a:t>Third level</a:t>
             </a:r>
           </a:p>
           <a:p>
             <a:pPr lvl="3"/>
             <a:r>
-              <a:rPr lang="en-US" smtClean="0"/>
+              <a:rPr lang="en-US"/>
               <a:t>Fourth level</a:t>
             </a:r>
           </a:p>
           <a:p>
             <a:pPr lvl="4"/>
             <a:r>
-              <a:rPr lang="en-US" smtClean="0"/>
+              <a:rPr lang="en-US"/>
               <a:t>Fifth level</a:t>
             </a:r>
             <a:endParaRPr lang="en-IN"/>
@@ -2569,7 +2569,7 @@
           <a:p>
             <a:fld id="{F3331C0A-1FBA-43A8-8F86-74AB66CB0E85}" type="datetimeFigureOut">
               <a:rPr lang="en-IN" smtClean="0"/>
-              <a:t>29-10-2021</a:t>
+              <a:t>18/02/22</a:t>
             </a:fld>
             <a:endParaRPr lang="en-IN"/>
           </a:p>
@@ -2668,10 +2668,9 @@
           <a:lstStyle/>
           <a:p>
             <a:r>
-              <a:rPr lang="en-US" smtClean="0"/>
+              <a:rPr lang="en-US"/>
               <a:t>Click to edit Master title style</a:t>
             </a:r>
-            <a:endParaRPr lang="en-US"/>
           </a:p>
         </p:txBody>
       </p:sp>
@@ -2697,38 +2696,37 @@
           <a:p>
             <a:pPr lvl="0"/>
             <a:r>
-              <a:rPr lang="en-US" smtClean="0"/>
+              <a:rPr lang="en-US"/>
               <a:t>Click to edit Master text styles</a:t>
             </a:r>
           </a:p>
           <a:p>
             <a:pPr lvl="1"/>
             <a:r>
-              <a:rPr lang="en-US" smtClean="0"/>
+              <a:rPr lang="en-US"/>
               <a:t>Second level</a:t>
             </a:r>
           </a:p>
           <a:p>
             <a:pPr lvl="2"/>
             <a:r>
-              <a:rPr lang="en-US" smtClean="0"/>
+              <a:rPr lang="en-US"/>
               <a:t>Third level</a:t>
             </a:r>
           </a:p>
           <a:p>
             <a:pPr lvl="3"/>
             <a:r>
-              <a:rPr lang="en-US" smtClean="0"/>
+              <a:rPr lang="en-US"/>
               <a:t>Fourth level</a:t>
             </a:r>
           </a:p>
           <a:p>
             <a:pPr lvl="4"/>
             <a:r>
-              <a:rPr lang="en-US" smtClean="0"/>
+              <a:rPr lang="en-US"/>
               <a:t>Fifth level</a:t>
             </a:r>
-            <a:endParaRPr lang="en-US"/>
           </a:p>
         </p:txBody>
       </p:sp>
@@ -2754,38 +2752,37 @@
           <a:p>
             <a:pPr lvl="0"/>
             <a:r>
-              <a:rPr lang="en-US" smtClean="0"/>
+              <a:rPr lang="en-US"/>
               <a:t>Click to edit Master text styles</a:t>
             </a:r>
           </a:p>
           <a:p>
             <a:pPr lvl="1"/>
             <a:r>
-              <a:rPr lang="en-US" smtClean="0"/>
+              <a:rPr lang="en-US"/>
               <a:t>Second level</a:t>
             </a:r>
           </a:p>
           <a:p>
             <a:pPr lvl="2"/>
             <a:r>
-              <a:rPr lang="en-US" smtClean="0"/>
+              <a:rPr lang="en-US"/>
               <a:t>Third level</a:t>
             </a:r>
           </a:p>
           <a:p>
             <a:pPr lvl="3"/>
             <a:r>
-              <a:rPr lang="en-US" smtClean="0"/>
+              <a:rPr lang="en-US"/>
               <a:t>Fourth level</a:t>
             </a:r>
           </a:p>
           <a:p>
             <a:pPr lvl="4"/>
             <a:r>
-              <a:rPr lang="en-US" smtClean="0"/>
+              <a:rPr lang="en-US"/>
               <a:t>Fifth level</a:t>
             </a:r>
-            <a:endParaRPr lang="en-US"/>
           </a:p>
         </p:txBody>
       </p:sp>
@@ -2873,10 +2870,9 @@
           <a:lstStyle/>
           <a:p>
             <a:r>
-              <a:rPr lang="en-US" smtClean="0"/>
+              <a:rPr lang="en-US"/>
               <a:t>Click to edit Master title style</a:t>
             </a:r>
-            <a:endParaRPr lang="en-US"/>
           </a:p>
         </p:txBody>
       </p:sp>
@@ -2902,38 +2898,37 @@
           <a:p>
             <a:pPr lvl="0"/>
             <a:r>
-              <a:rPr lang="en-US" smtClean="0"/>
+              <a:rPr lang="en-US"/>
               <a:t>Click to edit Master text styles</a:t>
             </a:r>
           </a:p>
           <a:p>
             <a:pPr lvl="1"/>
             <a:r>
-              <a:rPr lang="en-US" smtClean="0"/>
+              <a:rPr lang="en-US"/>
               <a:t>Second level</a:t>
             </a:r>
           </a:p>
           <a:p>
             <a:pPr lvl="2"/>
             <a:r>
-              <a:rPr lang="en-US" smtClean="0"/>
+              <a:rPr lang="en-US"/>
               <a:t>Third level</a:t>
             </a:r>
           </a:p>
           <a:p>
             <a:pPr lvl="3"/>
             <a:r>
-              <a:rPr lang="en-US" smtClean="0"/>
+              <a:rPr lang="en-US"/>
               <a:t>Fourth level</a:t>
             </a:r>
           </a:p>
           <a:p>
             <a:pPr lvl="4"/>
             <a:r>
-              <a:rPr lang="en-US" smtClean="0"/>
+              <a:rPr lang="en-US"/>
               <a:t>Fifth level</a:t>
             </a:r>
-            <a:endParaRPr lang="en-US"/>
           </a:p>
         </p:txBody>
       </p:sp>
@@ -2959,38 +2954,37 @@
           <a:p>
             <a:pPr lvl="0"/>
             <a:r>
-              <a:rPr lang="en-US" smtClean="0"/>
+              <a:rPr lang="en-US"/>
               <a:t>Click to edit Master text styles</a:t>
             </a:r>
           </a:p>
           <a:p>
             <a:pPr lvl="1"/>
             <a:r>
-              <a:rPr lang="en-US" smtClean="0"/>
+              <a:rPr lang="en-US"/>
               <a:t>Second level</a:t>
             </a:r>
           </a:p>
           <a:p>
             <a:pPr lvl="2"/>
             <a:r>
-              <a:rPr lang="en-US" smtClean="0"/>
+              <a:rPr lang="en-US"/>
               <a:t>Third level</a:t>
             </a:r>
           </a:p>
           <a:p>
             <a:pPr lvl="3"/>
             <a:r>
-              <a:rPr lang="en-US" smtClean="0"/>
+              <a:rPr lang="en-US"/>
               <a:t>Fourth level</a:t>
             </a:r>
           </a:p>
           <a:p>
             <a:pPr lvl="4"/>
             <a:r>
-              <a:rPr lang="en-US" smtClean="0"/>
+              <a:rPr lang="en-US"/>
               <a:t>Fifth level</a:t>
             </a:r>
-            <a:endParaRPr lang="en-US"/>
           </a:p>
         </p:txBody>
       </p:sp>
@@ -3078,10 +3072,9 @@
           <a:lstStyle/>
           <a:p>
             <a:r>
-              <a:rPr lang="en-US" smtClean="0"/>
+              <a:rPr lang="en-US"/>
               <a:t>Click to edit Master title style</a:t>
             </a:r>
-            <a:endParaRPr lang="en-US"/>
           </a:p>
         </p:txBody>
       </p:sp>
@@ -3107,38 +3100,37 @@
           <a:p>
             <a:pPr lvl="0"/>
             <a:r>
-              <a:rPr lang="en-US" smtClean="0"/>
+              <a:rPr lang="en-US"/>
               <a:t>Click to edit Master text styles</a:t>
             </a:r>
           </a:p>
           <a:p>
             <a:pPr lvl="1"/>
             <a:r>
-              <a:rPr lang="en-US" smtClean="0"/>
+              <a:rPr lang="en-US"/>
               <a:t>Second level</a:t>
             </a:r>
           </a:p>
           <a:p>
             <a:pPr lvl="2"/>
             <a:r>
-              <a:rPr lang="en-US" smtClean="0"/>
+              <a:rPr lang="en-US"/>
               <a:t>Third level</a:t>
             </a:r>
           </a:p>
           <a:p>
             <a:pPr lvl="3"/>
             <a:r>
-              <a:rPr lang="en-US" smtClean="0"/>
+              <a:rPr lang="en-US"/>
               <a:t>Fourth level</a:t>
             </a:r>
           </a:p>
           <a:p>
             <a:pPr lvl="4"/>
             <a:r>
-              <a:rPr lang="en-US" smtClean="0"/>
+              <a:rPr lang="en-US"/>
               <a:t>Fifth level</a:t>
             </a:r>
-            <a:endParaRPr lang="en-US"/>
           </a:p>
         </p:txBody>
       </p:sp>
@@ -3164,38 +3156,37 @@
           <a:p>
             <a:pPr lvl="0"/>
             <a:r>
-              <a:rPr lang="en-US" smtClean="0"/>
+              <a:rPr lang="en-US"/>
               <a:t>Click to edit Master text styles</a:t>
             </a:r>
           </a:p>
           <a:p>
             <a:pPr lvl="1"/>
             <a:r>
-              <a:rPr lang="en-US" smtClean="0"/>
+              <a:rPr lang="en-US"/>
               <a:t>Second level</a:t>
             </a:r>
           </a:p>
           <a:p>
             <a:pPr lvl="2"/>
             <a:r>
-              <a:rPr lang="en-US" smtClean="0"/>
+              <a:rPr lang="en-US"/>
               <a:t>Third level</a:t>
             </a:r>
           </a:p>
           <a:p>
             <a:pPr lvl="3"/>
             <a:r>
-              <a:rPr lang="en-US" smtClean="0"/>
+              <a:rPr lang="en-US"/>
               <a:t>Fourth level</a:t>
             </a:r>
           </a:p>
           <a:p>
             <a:pPr lvl="4"/>
             <a:r>
-              <a:rPr lang="en-US" smtClean="0"/>
+              <a:rPr lang="en-US"/>
               <a:t>Fifth level</a:t>
             </a:r>
-            <a:endParaRPr lang="en-US"/>
           </a:p>
         </p:txBody>
       </p:sp>
@@ -3221,38 +3212,37 @@
           <a:p>
             <a:pPr lvl="0"/>
             <a:r>
-              <a:rPr lang="en-US" smtClean="0"/>
+              <a:rPr lang="en-US"/>
               <a:t>Click to edit Master text styles</a:t>
             </a:r>
           </a:p>
           <a:p>
             <a:pPr lvl="1"/>
             <a:r>
-              <a:rPr lang="en-US" smtClean="0"/>
+              <a:rPr lang="en-US"/>
               <a:t>Second level</a:t>
             </a:r>
           </a:p>
           <a:p>
             <a:pPr lvl="2"/>
             <a:r>
-              <a:rPr lang="en-US" smtClean="0"/>
+              <a:rPr lang="en-US"/>
               <a:t>Third level</a:t>
             </a:r>
           </a:p>
           <a:p>
             <a:pPr lvl="3"/>
             <a:r>
-              <a:rPr lang="en-US" smtClean="0"/>
+              <a:rPr lang="en-US"/>
               <a:t>Fourth level</a:t>
             </a:r>
           </a:p>
           <a:p>
             <a:pPr lvl="4"/>
             <a:r>
-              <a:rPr lang="en-US" smtClean="0"/>
+              <a:rPr lang="en-US"/>
               <a:t>Fifth level</a:t>
             </a:r>
-            <a:endParaRPr lang="en-US"/>
           </a:p>
         </p:txBody>
       </p:sp>
@@ -3335,7 +3325,7 @@
           <a:lstStyle/>
           <a:p>
             <a:r>
-              <a:rPr lang="en-US" smtClean="0"/>
+              <a:rPr lang="en-US"/>
               <a:t>Click to edit Master title style</a:t>
             </a:r>
             <a:endParaRPr lang="en-IN"/>
@@ -3359,35 +3349,35 @@
           <a:p>
             <a:pPr lvl="0"/>
             <a:r>
-              <a:rPr lang="en-US" smtClean="0"/>
+              <a:rPr lang="en-US"/>
               <a:t>Click to edit Master text styles</a:t>
             </a:r>
           </a:p>
           <a:p>
             <a:pPr lvl="1"/>
             <a:r>
-              <a:rPr lang="en-US" smtClean="0"/>
+              <a:rPr lang="en-US"/>
               <a:t>Second level</a:t>
             </a:r>
           </a:p>
           <a:p>
             <a:pPr lvl="2"/>
             <a:r>
-              <a:rPr lang="en-US" smtClean="0"/>
+              <a:rPr lang="en-US"/>
               <a:t>Third level</a:t>
             </a:r>
           </a:p>
           <a:p>
             <a:pPr lvl="3"/>
             <a:r>
-              <a:rPr lang="en-US" smtClean="0"/>
+              <a:rPr lang="en-US"/>
               <a:t>Fourth level</a:t>
             </a:r>
           </a:p>
           <a:p>
             <a:pPr lvl="4"/>
             <a:r>
-              <a:rPr lang="en-US" smtClean="0"/>
+              <a:rPr lang="en-US"/>
               <a:t>Fifth level</a:t>
             </a:r>
             <a:endParaRPr lang="en-IN"/>
@@ -3411,7 +3401,7 @@
           <a:p>
             <a:fld id="{F3331C0A-1FBA-43A8-8F86-74AB66CB0E85}" type="datetimeFigureOut">
               <a:rPr lang="en-IN" smtClean="0"/>
-              <a:t>29-10-2021</a:t>
+              <a:t>18/02/22</a:t>
             </a:fld>
             <a:endParaRPr lang="en-IN"/>
           </a:p>
@@ -3514,7 +3504,7 @@
           </a:lstStyle>
           <a:p>
             <a:r>
-              <a:rPr lang="en-US" smtClean="0"/>
+              <a:rPr lang="en-US"/>
               <a:t>Click to edit Master title style</a:t>
             </a:r>
             <a:endParaRPr lang="en-IN"/>
@@ -3634,7 +3624,7 @@
           <a:p>
             <a:pPr lvl="0"/>
             <a:r>
-              <a:rPr lang="en-US" smtClean="0"/>
+              <a:rPr lang="en-US"/>
               <a:t>Click to edit Master text styles</a:t>
             </a:r>
           </a:p>
@@ -3657,7 +3647,7 @@
           <a:p>
             <a:fld id="{F3331C0A-1FBA-43A8-8F86-74AB66CB0E85}" type="datetimeFigureOut">
               <a:rPr lang="en-IN" smtClean="0"/>
-              <a:t>29-10-2021</a:t>
+              <a:t>18/02/22</a:t>
             </a:fld>
             <a:endParaRPr lang="en-IN"/>
           </a:p>
@@ -3751,7 +3741,7 @@
           <a:lstStyle/>
           <a:p>
             <a:r>
-              <a:rPr lang="en-US" smtClean="0"/>
+              <a:rPr lang="en-US"/>
               <a:t>Click to edit Master title style</a:t>
             </a:r>
             <a:endParaRPr lang="en-IN"/>
@@ -3780,35 +3770,35 @@
           <a:p>
             <a:pPr lvl="0"/>
             <a:r>
-              <a:rPr lang="en-US" smtClean="0"/>
+              <a:rPr lang="en-US"/>
               <a:t>Click to edit Master text styles</a:t>
             </a:r>
           </a:p>
           <a:p>
             <a:pPr lvl="1"/>
             <a:r>
-              <a:rPr lang="en-US" smtClean="0"/>
+              <a:rPr lang="en-US"/>
               <a:t>Second level</a:t>
             </a:r>
           </a:p>
           <a:p>
             <a:pPr lvl="2"/>
             <a:r>
-              <a:rPr lang="en-US" smtClean="0"/>
+              <a:rPr lang="en-US"/>
               <a:t>Third level</a:t>
             </a:r>
           </a:p>
           <a:p>
             <a:pPr lvl="3"/>
             <a:r>
-              <a:rPr lang="en-US" smtClean="0"/>
+              <a:rPr lang="en-US"/>
               <a:t>Fourth level</a:t>
             </a:r>
           </a:p>
           <a:p>
             <a:pPr lvl="4"/>
             <a:r>
-              <a:rPr lang="en-US" smtClean="0"/>
+              <a:rPr lang="en-US"/>
               <a:t>Fifth level</a:t>
             </a:r>
             <a:endParaRPr lang="en-IN"/>
@@ -3837,35 +3827,35 @@
           <a:p>
             <a:pPr lvl="0"/>
             <a:r>
-              <a:rPr lang="en-US" smtClean="0"/>
+              <a:rPr lang="en-US"/>
               <a:t>Click to edit Master text styles</a:t>
             </a:r>
           </a:p>
           <a:p>
             <a:pPr lvl="1"/>
             <a:r>
-              <a:rPr lang="en-US" smtClean="0"/>
+              <a:rPr lang="en-US"/>
               <a:t>Second level</a:t>
             </a:r>
           </a:p>
           <a:p>
             <a:pPr lvl="2"/>
             <a:r>
-              <a:rPr lang="en-US" smtClean="0"/>
+              <a:rPr lang="en-US"/>
               <a:t>Third level</a:t>
             </a:r>
           </a:p>
           <a:p>
             <a:pPr lvl="3"/>
             <a:r>
-              <a:rPr lang="en-US" smtClean="0"/>
+              <a:rPr lang="en-US"/>
               <a:t>Fourth level</a:t>
             </a:r>
           </a:p>
           <a:p>
             <a:pPr lvl="4"/>
             <a:r>
-              <a:rPr lang="en-US" smtClean="0"/>
+              <a:rPr lang="en-US"/>
               <a:t>Fifth level</a:t>
             </a:r>
             <a:endParaRPr lang="en-IN"/>
@@ -3889,7 +3879,7 @@
           <a:p>
             <a:fld id="{F3331C0A-1FBA-43A8-8F86-74AB66CB0E85}" type="datetimeFigureOut">
               <a:rPr lang="en-IN" smtClean="0"/>
-              <a:t>29-10-2021</a:t>
+              <a:t>18/02/22</a:t>
             </a:fld>
             <a:endParaRPr lang="en-IN"/>
           </a:p>
@@ -3988,7 +3978,7 @@
           <a:lstStyle/>
           <a:p>
             <a:r>
-              <a:rPr lang="en-US" smtClean="0"/>
+              <a:rPr lang="en-US"/>
               <a:t>Click to edit Master title style</a:t>
             </a:r>
             <a:endParaRPr lang="en-IN"/>
@@ -4054,7 +4044,7 @@
           <a:p>
             <a:pPr lvl="0"/>
             <a:r>
-              <a:rPr lang="en-US" smtClean="0"/>
+              <a:rPr lang="en-US"/>
               <a:t>Click to edit Master text styles</a:t>
             </a:r>
           </a:p>
@@ -4082,35 +4072,35 @@
           <a:p>
             <a:pPr lvl="0"/>
             <a:r>
-              <a:rPr lang="en-US" smtClean="0"/>
+              <a:rPr lang="en-US"/>
               <a:t>Click to edit Master text styles</a:t>
             </a:r>
           </a:p>
           <a:p>
             <a:pPr lvl="1"/>
             <a:r>
-              <a:rPr lang="en-US" smtClean="0"/>
+              <a:rPr lang="en-US"/>
               <a:t>Second level</a:t>
             </a:r>
           </a:p>
           <a:p>
             <a:pPr lvl="2"/>
             <a:r>
-              <a:rPr lang="en-US" smtClean="0"/>
+              <a:rPr lang="en-US"/>
               <a:t>Third level</a:t>
             </a:r>
           </a:p>
           <a:p>
             <a:pPr lvl="3"/>
             <a:r>
-              <a:rPr lang="en-US" smtClean="0"/>
+              <a:rPr lang="en-US"/>
               <a:t>Fourth level</a:t>
             </a:r>
           </a:p>
           <a:p>
             <a:pPr lvl="4"/>
             <a:r>
-              <a:rPr lang="en-US" smtClean="0"/>
+              <a:rPr lang="en-US"/>
               <a:t>Fifth level</a:t>
             </a:r>
             <a:endParaRPr lang="en-IN"/>
@@ -4176,7 +4166,7 @@
           <a:p>
             <a:pPr lvl="0"/>
             <a:r>
-              <a:rPr lang="en-US" smtClean="0"/>
+              <a:rPr lang="en-US"/>
               <a:t>Click to edit Master text styles</a:t>
             </a:r>
           </a:p>
@@ -4204,35 +4194,35 @@
           <a:p>
             <a:pPr lvl="0"/>
             <a:r>
-              <a:rPr lang="en-US" smtClean="0"/>
+              <a:rPr lang="en-US"/>
               <a:t>Click to edit Master text styles</a:t>
             </a:r>
           </a:p>
           <a:p>
             <a:pPr lvl="1"/>
             <a:r>
-              <a:rPr lang="en-US" smtClean="0"/>
+              <a:rPr lang="en-US"/>
               <a:t>Second level</a:t>
             </a:r>
           </a:p>
           <a:p>
             <a:pPr lvl="2"/>
             <a:r>
-              <a:rPr lang="en-US" smtClean="0"/>
+              <a:rPr lang="en-US"/>
               <a:t>Third level</a:t>
             </a:r>
           </a:p>
           <a:p>
             <a:pPr lvl="3"/>
             <a:r>
-              <a:rPr lang="en-US" smtClean="0"/>
+              <a:rPr lang="en-US"/>
               <a:t>Fourth level</a:t>
             </a:r>
           </a:p>
           <a:p>
             <a:pPr lvl="4"/>
             <a:r>
-              <a:rPr lang="en-US" smtClean="0"/>
+              <a:rPr lang="en-US"/>
               <a:t>Fifth level</a:t>
             </a:r>
             <a:endParaRPr lang="en-IN"/>
@@ -4256,7 +4246,7 @@
           <a:p>
             <a:fld id="{F3331C0A-1FBA-43A8-8F86-74AB66CB0E85}" type="datetimeFigureOut">
               <a:rPr lang="en-IN" smtClean="0"/>
-              <a:t>29-10-2021</a:t>
+              <a:t>18/02/22</a:t>
             </a:fld>
             <a:endParaRPr lang="en-IN"/>
           </a:p>
@@ -4350,7 +4340,7 @@
           <a:lstStyle/>
           <a:p>
             <a:r>
-              <a:rPr lang="en-US" smtClean="0"/>
+              <a:rPr lang="en-US"/>
               <a:t>Click to edit Master title style</a:t>
             </a:r>
             <a:endParaRPr lang="en-IN"/>
@@ -4374,7 +4364,7 @@
           <a:p>
             <a:fld id="{F3331C0A-1FBA-43A8-8F86-74AB66CB0E85}" type="datetimeFigureOut">
               <a:rPr lang="en-IN" smtClean="0"/>
-              <a:t>29-10-2021</a:t>
+              <a:t>18/02/22</a:t>
             </a:fld>
             <a:endParaRPr lang="en-IN"/>
           </a:p>
@@ -4469,7 +4459,7 @@
           <a:p>
             <a:fld id="{F3331C0A-1FBA-43A8-8F86-74AB66CB0E85}" type="datetimeFigureOut">
               <a:rPr lang="en-IN" smtClean="0"/>
-              <a:t>29-10-2021</a:t>
+              <a:t>18/02/22</a:t>
             </a:fld>
             <a:endParaRPr lang="en-IN"/>
           </a:p>
@@ -4572,7 +4562,7 @@
           </a:lstStyle>
           <a:p>
             <a:r>
-              <a:rPr lang="en-US" smtClean="0"/>
+              <a:rPr lang="en-US"/>
               <a:t>Click to edit Master title style</a:t>
             </a:r>
             <a:endParaRPr lang="en-IN"/>
@@ -4629,35 +4619,35 @@
           <a:p>
             <a:pPr lvl="0"/>
             <a:r>
-              <a:rPr lang="en-US" smtClean="0"/>
+              <a:rPr lang="en-US"/>
               <a:t>Click to edit Master text styles</a:t>
             </a:r>
           </a:p>
           <a:p>
             <a:pPr lvl="1"/>
             <a:r>
-              <a:rPr lang="en-US" smtClean="0"/>
+              <a:rPr lang="en-US"/>
               <a:t>Second level</a:t>
             </a:r>
           </a:p>
           <a:p>
             <a:pPr lvl="2"/>
             <a:r>
-              <a:rPr lang="en-US" smtClean="0"/>
+              <a:rPr lang="en-US"/>
               <a:t>Third level</a:t>
             </a:r>
           </a:p>
           <a:p>
             <a:pPr lvl="3"/>
             <a:r>
-              <a:rPr lang="en-US" smtClean="0"/>
+              <a:rPr lang="en-US"/>
               <a:t>Fourth level</a:t>
             </a:r>
           </a:p>
           <a:p>
             <a:pPr lvl="4"/>
             <a:r>
-              <a:rPr lang="en-US" smtClean="0"/>
+              <a:rPr lang="en-US"/>
               <a:t>Fifth level</a:t>
             </a:r>
             <a:endParaRPr lang="en-IN"/>
@@ -4723,7 +4713,7 @@
           <a:p>
             <a:pPr lvl="0"/>
             <a:r>
-              <a:rPr lang="en-US" smtClean="0"/>
+              <a:rPr lang="en-US"/>
               <a:t>Click to edit Master text styles</a:t>
             </a:r>
           </a:p>
@@ -4746,7 +4736,7 @@
           <a:p>
             <a:fld id="{F3331C0A-1FBA-43A8-8F86-74AB66CB0E85}" type="datetimeFigureOut">
               <a:rPr lang="en-IN" smtClean="0"/>
-              <a:t>29-10-2021</a:t>
+              <a:t>18/02/22</a:t>
             </a:fld>
             <a:endParaRPr lang="en-IN"/>
           </a:p>
@@ -4849,7 +4839,7 @@
           </a:lstStyle>
           <a:p>
             <a:r>
-              <a:rPr lang="en-US" smtClean="0"/>
+              <a:rPr lang="en-US"/>
               <a:t>Click to edit Master title style</a:t>
             </a:r>
             <a:endParaRPr lang="en-IN"/>
@@ -4976,7 +4966,7 @@
           <a:p>
             <a:pPr lvl="0"/>
             <a:r>
-              <a:rPr lang="en-US" smtClean="0"/>
+              <a:rPr lang="en-US"/>
               <a:t>Click to edit Master text styles</a:t>
             </a:r>
           </a:p>
@@ -4999,7 +4989,7 @@
           <a:p>
             <a:fld id="{F3331C0A-1FBA-43A8-8F86-74AB66CB0E85}" type="datetimeFigureOut">
               <a:rPr lang="en-IN" smtClean="0"/>
-              <a:t>29-10-2021</a:t>
+              <a:t>18/02/22</a:t>
             </a:fld>
             <a:endParaRPr lang="en-IN"/>
           </a:p>
@@ -5108,7 +5098,7 @@
           <a:lstStyle/>
           <a:p>
             <a:r>
-              <a:rPr lang="en-US" smtClean="0"/>
+              <a:rPr lang="en-US"/>
               <a:t>Click to edit Master title style</a:t>
             </a:r>
             <a:endParaRPr lang="en-IN"/>
@@ -5142,35 +5132,35 @@
           <a:p>
             <a:pPr lvl="0"/>
             <a:r>
-              <a:rPr lang="en-US" smtClean="0"/>
+              <a:rPr lang="en-US"/>
               <a:t>Click to edit Master text styles</a:t>
             </a:r>
           </a:p>
           <a:p>
             <a:pPr lvl="1"/>
             <a:r>
-              <a:rPr lang="en-US" smtClean="0"/>
+              <a:rPr lang="en-US"/>
               <a:t>Second level</a:t>
             </a:r>
           </a:p>
           <a:p>
             <a:pPr lvl="2"/>
             <a:r>
-              <a:rPr lang="en-US" smtClean="0"/>
+              <a:rPr lang="en-US"/>
               <a:t>Third level</a:t>
             </a:r>
           </a:p>
           <a:p>
             <a:pPr lvl="3"/>
             <a:r>
-              <a:rPr lang="en-US" smtClean="0"/>
+              <a:rPr lang="en-US"/>
               <a:t>Fourth level</a:t>
             </a:r>
           </a:p>
           <a:p>
             <a:pPr lvl="4"/>
             <a:r>
-              <a:rPr lang="en-US" smtClean="0"/>
+              <a:rPr lang="en-US"/>
               <a:t>Fifth level</a:t>
             </a:r>
             <a:endParaRPr lang="en-IN"/>
@@ -5212,7 +5202,7 @@
           <a:p>
             <a:fld id="{F3331C0A-1FBA-43A8-8F86-74AB66CB0E85}" type="datetimeFigureOut">
               <a:rPr lang="en-IN" smtClean="0"/>
-              <a:t>29-10-2021</a:t>
+              <a:t>18/02/22</a:t>
             </a:fld>
             <a:endParaRPr lang="en-IN"/>
           </a:p>
@@ -5636,10 +5626,9 @@
           <a:lstStyle/>
           <a:p>
             <a:r>
-              <a:rPr lang="en-IN" dirty="0" smtClean="0"/>
+              <a:rPr lang="en-IN" dirty="0"/>
               <a:t>Model Evaluation and Selection</a:t>
             </a:r>
-            <a:endParaRPr lang="en-IN" dirty="0"/>
           </a:p>
         </p:txBody>
       </p:sp>
@@ -5715,7 +5704,7 @@
           <a:lstStyle/>
           <a:p>
             <a:r>
-              <a:rPr lang="en-US" smtClean="0"/>
+              <a:rPr lang="en-US"/>
               <a:t>Classifier Evaluation Metrics: Accuracy, Error Rate, Sensitivity and Specificity</a:t>
             </a:r>
           </a:p>
@@ -6187,7 +6176,7 @@
                         <a:tabLst/>
                       </a:pPr>
                       <a:r>
-                        <a:rPr kumimoji="0" lang="en-US" sz="1800" b="0" i="0" u="none" strike="noStrike" cap="none" normalizeH="0" baseline="0" smtClean="0">
+                        <a:rPr kumimoji="0" lang="en-US" sz="1800" b="0" i="0" u="none" strike="noStrike" cap="none" normalizeH="0" baseline="0">
                           <a:ln>
                             <a:noFill/>
                           </a:ln>
@@ -6271,7 +6260,7 @@
                         <a:tabLst/>
                       </a:pPr>
                       <a:r>
-                        <a:rPr kumimoji="0" lang="en-US" sz="1800" b="0" i="0" u="none" strike="noStrike" cap="none" normalizeH="0" baseline="0" smtClean="0">
+                        <a:rPr kumimoji="0" lang="en-US" sz="1800" b="0" i="0" u="none" strike="noStrike" cap="none" normalizeH="0" baseline="0">
                           <a:ln>
                             <a:noFill/>
                           </a:ln>
@@ -6355,7 +6344,7 @@
                         <a:tabLst/>
                       </a:pPr>
                       <a:r>
-                        <a:rPr kumimoji="0" lang="en-US" sz="1800" b="0" i="0" u="none" strike="noStrike" cap="none" normalizeH="0" baseline="0" smtClean="0">
+                        <a:rPr kumimoji="0" lang="en-US" sz="1800" b="0" i="0" u="none" strike="noStrike" cap="none" normalizeH="0" baseline="0">
                           <a:ln>
                             <a:noFill/>
                           </a:ln>
@@ -6438,7 +6427,7 @@
                         <a:buNone/>
                         <a:tabLst/>
                       </a:pPr>
-                      <a:endParaRPr kumimoji="0" lang="en-US" sz="1800" b="0" i="0" u="none" strike="noStrike" cap="none" normalizeH="0" baseline="0" smtClean="0">
+                      <a:endParaRPr kumimoji="0" lang="en-US" sz="1800" b="0" i="0" u="none" strike="noStrike" cap="none" normalizeH="0" baseline="0">
                         <a:ln>
                           <a:noFill/>
                         </a:ln>
@@ -6527,7 +6516,7 @@
                         <a:tabLst/>
                       </a:pPr>
                       <a:r>
-                        <a:rPr kumimoji="0" lang="en-US" sz="1800" b="0" i="0" u="none" strike="noStrike" cap="none" normalizeH="0" baseline="0" smtClean="0">
+                        <a:rPr kumimoji="0" lang="en-US" sz="1800" b="0" i="0" u="none" strike="noStrike" cap="none" normalizeH="0" baseline="0">
                           <a:ln>
                             <a:noFill/>
                           </a:ln>
@@ -6611,7 +6600,7 @@
                         <a:tabLst/>
                       </a:pPr>
                       <a:r>
-                        <a:rPr kumimoji="0" lang="en-US" sz="1800" b="1" i="0" u="none" strike="noStrike" cap="none" normalizeH="0" baseline="0" smtClean="0">
+                        <a:rPr kumimoji="0" lang="en-US" sz="1800" b="1" i="0" u="none" strike="noStrike" cap="none" normalizeH="0" baseline="0">
                           <a:ln>
                             <a:noFill/>
                           </a:ln>
@@ -6695,7 +6684,7 @@
                         <a:tabLst/>
                       </a:pPr>
                       <a:r>
-                        <a:rPr kumimoji="0" lang="en-US" sz="1800" b="1" i="0" u="none" strike="noStrike" cap="none" normalizeH="0" baseline="0" smtClean="0">
+                        <a:rPr kumimoji="0" lang="en-US" sz="1800" b="1" i="0" u="none" strike="noStrike" cap="none" normalizeH="0" baseline="0">
                           <a:ln>
                             <a:noFill/>
                           </a:ln>
@@ -6779,7 +6768,7 @@
                         <a:tabLst/>
                       </a:pPr>
                       <a:r>
-                        <a:rPr kumimoji="0" lang="en-US" sz="1800" b="1" i="0" u="none" strike="noStrike" cap="none" normalizeH="0" baseline="0" smtClean="0">
+                        <a:rPr kumimoji="0" lang="en-US" sz="1800" b="1" i="0" u="none" strike="noStrike" cap="none" normalizeH="0" baseline="0">
                           <a:ln>
                             <a:noFill/>
                           </a:ln>
@@ -6870,7 +6859,7 @@
                         <a:tabLst/>
                       </a:pPr>
                       <a:r>
-                        <a:rPr kumimoji="0" lang="en-US" sz="1800" b="0" i="0" u="none" strike="noStrike" cap="none" normalizeH="0" baseline="0" smtClean="0">
+                        <a:rPr kumimoji="0" lang="en-US" sz="1800" b="0" i="0" u="none" strike="noStrike" cap="none" normalizeH="0" baseline="0">
                           <a:ln>
                             <a:noFill/>
                           </a:ln>
@@ -6954,7 +6943,7 @@
                         <a:tabLst/>
                       </a:pPr>
                       <a:r>
-                        <a:rPr kumimoji="0" lang="en-US" sz="1800" b="1" i="0" u="none" strike="noStrike" cap="none" normalizeH="0" baseline="0" smtClean="0">
+                        <a:rPr kumimoji="0" lang="en-US" sz="1800" b="1" i="0" u="none" strike="noStrike" cap="none" normalizeH="0" baseline="0">
                           <a:ln>
                             <a:noFill/>
                           </a:ln>
@@ -7038,7 +7027,7 @@
                         <a:tabLst/>
                       </a:pPr>
                       <a:r>
-                        <a:rPr kumimoji="0" lang="en-US" sz="1800" b="1" i="0" u="none" strike="noStrike" cap="none" normalizeH="0" baseline="0" smtClean="0">
+                        <a:rPr kumimoji="0" lang="en-US" sz="1800" b="1" i="0" u="none" strike="noStrike" cap="none" normalizeH="0" baseline="0">
                           <a:ln>
                             <a:noFill/>
                           </a:ln>
@@ -7122,7 +7111,7 @@
                         <a:tabLst/>
                       </a:pPr>
                       <a:r>
-                        <a:rPr kumimoji="0" lang="en-US" sz="1800" b="1" i="0" u="none" strike="noStrike" cap="none" normalizeH="0" baseline="0" smtClean="0">
+                        <a:rPr kumimoji="0" lang="en-US" sz="1800" b="1" i="0" u="none" strike="noStrike" cap="none" normalizeH="0" baseline="0">
                           <a:ln>
                             <a:noFill/>
                           </a:ln>
@@ -7212,7 +7201,7 @@
                         <a:buNone/>
                         <a:tabLst/>
                       </a:pPr>
-                      <a:endParaRPr kumimoji="0" lang="en-US" sz="1800" b="0" i="0" u="none" strike="noStrike" cap="none" normalizeH="0" baseline="0" smtClean="0">
+                      <a:endParaRPr kumimoji="0" lang="en-US" sz="1800" b="0" i="0" u="none" strike="noStrike" cap="none" normalizeH="0" baseline="0">
                         <a:ln>
                           <a:noFill/>
                         </a:ln>
@@ -7294,7 +7283,7 @@
                         <a:tabLst/>
                       </a:pPr>
                       <a:r>
-                        <a:rPr kumimoji="0" lang="en-US" sz="1800" b="1" i="0" u="none" strike="noStrike" cap="none" normalizeH="0" baseline="0" smtClean="0">
+                        <a:rPr kumimoji="0" lang="en-US" sz="1800" b="1" i="0" u="none" strike="noStrike" cap="none" normalizeH="0" baseline="0">
                           <a:ln>
                             <a:noFill/>
                           </a:ln>
@@ -7378,7 +7367,7 @@
                         <a:tabLst/>
                       </a:pPr>
                       <a:r>
-                        <a:rPr kumimoji="0" lang="en-US" sz="1800" b="1" i="0" u="none" strike="noStrike" cap="none" normalizeH="0" baseline="0" smtClean="0">
+                        <a:rPr kumimoji="0" lang="en-US" sz="1800" b="1" i="0" u="none" strike="noStrike" cap="none" normalizeH="0" baseline="0">
                           <a:ln>
                             <a:noFill/>
                           </a:ln>
@@ -7462,7 +7451,7 @@
                         <a:tabLst/>
                       </a:pPr>
                       <a:r>
-                        <a:rPr kumimoji="0" lang="en-US" sz="1800" b="1" i="0" u="none" strike="noStrike" cap="none" normalizeH="0" baseline="0" smtClean="0">
+                        <a:rPr kumimoji="0" lang="en-US" sz="1800" b="1" i="0" u="none" strike="noStrike" cap="none" normalizeH="0" baseline="0">
                           <a:ln>
                             <a:noFill/>
                           </a:ln>
@@ -7697,21 +7686,6 @@
   <p:clrMapOvr>
     <a:masterClrMapping/>
   </p:clrMapOvr>
-  <mc:AlternateContent xmlns:mc="http://schemas.openxmlformats.org/markup-compatibility/2006" xmlns:p14="http://schemas.microsoft.com/office/powerpoint/2010/main">
-    <mc:Choice Requires="p14">
-      <p:transition spd="slow" p14:dur="2000"/>
-    </mc:Choice>
-    <mc:Fallback xmlns="">
-      <p:transition spd="slow"/>
-    </mc:Fallback>
-  </mc:AlternateContent>
-  <p:timing>
-    <p:tnLst>
-      <p:par>
-        <p:cTn id="1" dur="indefinite" restart="never" nodeType="tmRoot"/>
-      </p:par>
-    </p:tnLst>
-  </p:timing>
 </p:sld>
 </file>
 
@@ -7917,14 +7891,14 @@
           <a:lstStyle/>
           <a:p>
             <a:r>
-              <a:rPr lang="en-US" smtClean="0"/>
+              <a:rPr lang="en-US"/>
               <a:t>Classifier Evaluation Metrics: </a:t>
             </a:r>
             <a:br>
-              <a:rPr lang="en-US" smtClean="0"/>
+              <a:rPr lang="en-US"/>
             </a:br>
             <a:r>
-              <a:rPr lang="en-US" smtClean="0"/>
+              <a:rPr lang="en-US"/>
               <a:t>Precision and Recall, and F-measures</a:t>
             </a:r>
           </a:p>
@@ -8055,11 +8029,7 @@
             </a:r>
             <a:r>
               <a:rPr lang="en-US" sz="2400" dirty="0"/>
-              <a:t>: harmonic mean of precision and recall</a:t>
-            </a:r>
-            <a:r>
-              <a:rPr lang="en-US" sz="2400" dirty="0" smtClean="0"/>
-              <a:t>, (needed when average of rates is required)</a:t>
+              <a:t>: harmonic mean of precision and recall, (needed when average of rates is required)</a:t>
             </a:r>
             <a:endParaRPr lang="en-US" sz="2400" b="1" dirty="0"/>
           </a:p>
@@ -8485,21 +8455,6 @@
   <p:clrMapOvr>
     <a:masterClrMapping/>
   </p:clrMapOvr>
-  <mc:AlternateContent xmlns:mc="http://schemas.openxmlformats.org/markup-compatibility/2006" xmlns:p14="http://schemas.microsoft.com/office/powerpoint/2010/main">
-    <mc:Choice Requires="p14">
-      <p:transition spd="slow" p14:dur="2000"/>
-    </mc:Choice>
-    <mc:Fallback xmlns="">
-      <p:transition spd="slow"/>
-    </mc:Fallback>
-  </mc:AlternateContent>
-  <p:timing>
-    <p:tnLst>
-      <p:par>
-        <p:cTn id="1" dur="indefinite" restart="never" nodeType="tmRoot"/>
-      </p:par>
-    </p:tnLst>
-  </p:timing>
 </p:sld>
 </file>
 
@@ -8541,7 +8496,7 @@
           <a:lstStyle/>
           <a:p>
             <a:r>
-              <a:rPr lang="en-US" smtClean="0"/>
+              <a:rPr lang="en-US"/>
               <a:t>Classifier Evaluation Metrics: Example</a:t>
             </a:r>
           </a:p>
@@ -8901,11 +8856,7 @@
             </a:r>
             <a:r>
               <a:rPr lang="en-US" dirty="0"/>
-              <a:t> = 90/300 = 30.00</a:t>
-            </a:r>
-            <a:r>
-              <a:rPr lang="en-US" dirty="0" smtClean="0"/>
-              <a:t>%</a:t>
+              <a:t> = 90/300 = 30.00%</a:t>
             </a:r>
           </a:p>
           <a:p>
@@ -8916,7 +8867,7 @@
               <a:buSzPct val="60000"/>
             </a:pPr>
             <a:r>
-              <a:rPr lang="en-US" dirty="0" smtClean="0"/>
+              <a:rPr lang="en-US" dirty="0"/>
               <a:t>A perfect precision score of 1.0 for a class C means that every tuple that the classifier labeled as belonging to class C does indeed belong to class C. but it does not tell us anything about the number of class C tuples that the classifier mislabeled. </a:t>
             </a:r>
           </a:p>
@@ -8928,7 +8879,7 @@
               <a:buSzPct val="60000"/>
             </a:pPr>
             <a:r>
-              <a:rPr lang="en-US" dirty="0" smtClean="0"/>
+              <a:rPr lang="en-US" dirty="0"/>
               <a:t>A perfect recall score of 1.0 for C means that every item from class C was labeled as such, but it does not tell us how many other tuples were incorrectly labeled as belonging to class C.  </a:t>
             </a:r>
           </a:p>
@@ -8943,7 +8894,7 @@
             <a:endParaRPr lang="en-US" dirty="0"/>
           </a:p>
           <a:p>
-            <a:endParaRPr lang="en-US" dirty="0" smtClean="0"/>
+            <a:endParaRPr lang="en-US" dirty="0"/>
           </a:p>
         </p:txBody>
       </p:sp>
@@ -9025,7 +8976,7 @@
                         <a:tabLst/>
                       </a:pPr>
                       <a:r>
-                        <a:rPr kumimoji="0" lang="en-US" sz="1800" b="0" i="0" u="none" strike="noStrike" cap="none" normalizeH="0" baseline="0" dirty="0" smtClean="0">
+                        <a:rPr kumimoji="0" lang="en-US" sz="1800" b="0" i="0" u="none" strike="noStrike" cap="none" normalizeH="0" baseline="0" dirty="0">
                           <a:ln>
                             <a:noFill/>
                           </a:ln>
@@ -9109,7 +9060,7 @@
                         <a:tabLst/>
                       </a:pPr>
                       <a:r>
-                        <a:rPr kumimoji="0" lang="en-US" sz="1800" b="0" i="0" u="none" strike="noStrike" cap="none" normalizeH="0" baseline="0" smtClean="0">
+                        <a:rPr kumimoji="0" lang="en-US" sz="1800" b="0" i="0" u="none" strike="noStrike" cap="none" normalizeH="0" baseline="0">
                           <a:ln>
                             <a:noFill/>
                           </a:ln>
@@ -9193,7 +9144,7 @@
                         <a:tabLst/>
                       </a:pPr>
                       <a:r>
-                        <a:rPr kumimoji="0" lang="en-US" sz="1800" b="0" i="0" u="none" strike="noStrike" cap="none" normalizeH="0" baseline="0" smtClean="0">
+                        <a:rPr kumimoji="0" lang="en-US" sz="1800" b="0" i="0" u="none" strike="noStrike" cap="none" normalizeH="0" baseline="0">
                           <a:ln>
                             <a:noFill/>
                           </a:ln>
@@ -9277,7 +9228,7 @@
                         <a:tabLst/>
                       </a:pPr>
                       <a:r>
-                        <a:rPr kumimoji="0" lang="en-US" sz="1800" b="0" i="0" u="none" strike="noStrike" cap="none" normalizeH="0" baseline="0" smtClean="0">
+                        <a:rPr kumimoji="0" lang="en-US" sz="1800" b="0" i="0" u="none" strike="noStrike" cap="none" normalizeH="0" baseline="0">
                           <a:ln>
                             <a:noFill/>
                           </a:ln>
@@ -9361,7 +9312,7 @@
                         <a:tabLst/>
                       </a:pPr>
                       <a:r>
-                        <a:rPr kumimoji="0" lang="en-US" sz="1800" b="0" i="0" u="none" strike="noStrike" cap="none" normalizeH="0" baseline="0" smtClean="0">
+                        <a:rPr kumimoji="0" lang="en-US" sz="1800" b="0" i="0" u="none" strike="noStrike" cap="none" normalizeH="0" baseline="0">
                           <a:ln>
                             <a:noFill/>
                           </a:ln>
@@ -9452,7 +9403,7 @@
                         <a:tabLst/>
                       </a:pPr>
                       <a:r>
-                        <a:rPr kumimoji="0" lang="en-US" sz="1800" b="0" i="0" u="none" strike="noStrike" cap="none" normalizeH="0" baseline="0" smtClean="0">
+                        <a:rPr kumimoji="0" lang="en-US" sz="1800" b="0" i="0" u="none" strike="noStrike" cap="none" normalizeH="0" baseline="0">
                           <a:ln>
                             <a:noFill/>
                           </a:ln>
@@ -9536,7 +9487,7 @@
                         <a:tabLst/>
                       </a:pPr>
                       <a:r>
-                        <a:rPr kumimoji="0" lang="en-US" sz="1800" b="1" i="0" u="none" strike="noStrike" cap="none" normalizeH="0" baseline="0" smtClean="0">
+                        <a:rPr kumimoji="0" lang="en-US" sz="1800" b="1" i="0" u="none" strike="noStrike" cap="none" normalizeH="0" baseline="0">
                           <a:ln>
                             <a:noFill/>
                           </a:ln>
@@ -9620,7 +9571,7 @@
                         <a:tabLst/>
                       </a:pPr>
                       <a:r>
-                        <a:rPr kumimoji="0" lang="en-US" sz="1800" b="1" i="0" u="none" strike="noStrike" cap="none" normalizeH="0" baseline="0" smtClean="0">
+                        <a:rPr kumimoji="0" lang="en-US" sz="1800" b="1" i="0" u="none" strike="noStrike" cap="none" normalizeH="0" baseline="0">
                           <a:ln>
                             <a:noFill/>
                           </a:ln>
@@ -9704,7 +9655,7 @@
                         <a:tabLst/>
                       </a:pPr>
                       <a:r>
-                        <a:rPr kumimoji="0" lang="en-US" sz="1800" b="0" i="0" u="none" strike="noStrike" cap="none" normalizeH="0" baseline="0" smtClean="0">
+                        <a:rPr kumimoji="0" lang="en-US" sz="1800" b="0" i="0" u="none" strike="noStrike" cap="none" normalizeH="0" baseline="0">
                           <a:ln>
                             <a:noFill/>
                           </a:ln>
@@ -9788,7 +9739,7 @@
                         <a:tabLst/>
                       </a:pPr>
                       <a:r>
-                        <a:rPr kumimoji="0" lang="en-US" sz="1800" b="0" i="0" u="none" strike="noStrike" cap="none" normalizeH="0" baseline="0" smtClean="0">
+                        <a:rPr kumimoji="0" lang="en-US" sz="1800" b="0" i="0" u="none" strike="noStrike" cap="none" normalizeH="0" baseline="0">
                           <a:ln>
                             <a:noFill/>
                           </a:ln>
@@ -9801,7 +9752,7 @@
                         <a:t>30.00 (</a:t>
                       </a:r>
                       <a:r>
-                        <a:rPr kumimoji="0" lang="en-US" sz="1800" b="0" i="1" u="none" strike="noStrike" cap="none" normalizeH="0" baseline="0" smtClean="0">
+                        <a:rPr kumimoji="0" lang="en-US" sz="1800" b="0" i="1" u="none" strike="noStrike" cap="none" normalizeH="0" baseline="0">
                           <a:ln>
                             <a:noFill/>
                           </a:ln>
@@ -9892,7 +9843,7 @@
                         <a:tabLst/>
                       </a:pPr>
                       <a:r>
-                        <a:rPr kumimoji="0" lang="en-US" sz="1800" b="0" i="0" u="none" strike="noStrike" cap="none" normalizeH="0" baseline="0" smtClean="0">
+                        <a:rPr kumimoji="0" lang="en-US" sz="1800" b="0" i="0" u="none" strike="noStrike" cap="none" normalizeH="0" baseline="0">
                           <a:ln>
                             <a:noFill/>
                           </a:ln>
@@ -9976,7 +9927,7 @@
                         <a:tabLst/>
                       </a:pPr>
                       <a:r>
-                        <a:rPr kumimoji="0" lang="en-US" sz="1800" b="1" i="0" u="none" strike="noStrike" cap="none" normalizeH="0" baseline="0" smtClean="0">
+                        <a:rPr kumimoji="0" lang="en-US" sz="1800" b="1" i="0" u="none" strike="noStrike" cap="none" normalizeH="0" baseline="0">
                           <a:ln>
                             <a:noFill/>
                           </a:ln>
@@ -10060,7 +10011,7 @@
                         <a:tabLst/>
                       </a:pPr>
                       <a:r>
-                        <a:rPr kumimoji="0" lang="en-US" sz="1800" b="1" i="0" u="none" strike="noStrike" cap="none" normalizeH="0" baseline="0" smtClean="0">
+                        <a:rPr kumimoji="0" lang="en-US" sz="1800" b="1" i="0" u="none" strike="noStrike" cap="none" normalizeH="0" baseline="0">
                           <a:ln>
                             <a:noFill/>
                           </a:ln>
@@ -10144,7 +10095,7 @@
                         <a:tabLst/>
                       </a:pPr>
                       <a:r>
-                        <a:rPr kumimoji="0" lang="en-US" sz="1800" b="0" i="0" u="none" strike="noStrike" cap="none" normalizeH="0" baseline="0" smtClean="0">
+                        <a:rPr kumimoji="0" lang="en-US" sz="1800" b="0" i="0" u="none" strike="noStrike" cap="none" normalizeH="0" baseline="0">
                           <a:ln>
                             <a:noFill/>
                           </a:ln>
@@ -10228,7 +10179,7 @@
                         <a:tabLst/>
                       </a:pPr>
                       <a:r>
-                        <a:rPr kumimoji="0" lang="en-US" sz="1800" b="0" i="0" u="none" strike="noStrike" cap="none" normalizeH="0" baseline="0" smtClean="0">
+                        <a:rPr kumimoji="0" lang="en-US" sz="1800" b="0" i="0" u="none" strike="noStrike" cap="none" normalizeH="0" baseline="0">
                           <a:ln>
                             <a:noFill/>
                           </a:ln>
@@ -10241,7 +10192,7 @@
                         <a:t>98.56 (</a:t>
                       </a:r>
                       <a:r>
-                        <a:rPr kumimoji="0" lang="en-US" sz="1800" b="0" i="1" u="none" strike="noStrike" cap="none" normalizeH="0" baseline="0" smtClean="0">
+                        <a:rPr kumimoji="0" lang="en-US" sz="1800" b="0" i="1" u="none" strike="noStrike" cap="none" normalizeH="0" baseline="0">
                           <a:ln>
                             <a:noFill/>
                           </a:ln>
@@ -10332,7 +10283,7 @@
                         <a:tabLst/>
                       </a:pPr>
                       <a:r>
-                        <a:rPr kumimoji="0" lang="en-US" sz="1800" b="0" i="0" u="none" strike="noStrike" cap="none" normalizeH="0" baseline="0" dirty="0" smtClean="0">
+                        <a:rPr kumimoji="0" lang="en-US" sz="1800" b="0" i="0" u="none" strike="noStrike" cap="none" normalizeH="0" baseline="0" dirty="0">
                           <a:ln>
                             <a:noFill/>
                           </a:ln>
@@ -10416,7 +10367,7 @@
                         <a:tabLst/>
                       </a:pPr>
                       <a:r>
-                        <a:rPr kumimoji="0" lang="en-US" sz="1800" b="0" i="0" u="none" strike="noStrike" cap="none" normalizeH="0" baseline="0" smtClean="0">
+                        <a:rPr kumimoji="0" lang="en-US" sz="1800" b="0" i="0" u="none" strike="noStrike" cap="none" normalizeH="0" baseline="0">
                           <a:ln>
                             <a:noFill/>
                           </a:ln>
@@ -10500,7 +10451,7 @@
                         <a:tabLst/>
                       </a:pPr>
                       <a:r>
-                        <a:rPr kumimoji="0" lang="en-US" sz="1800" b="0" i="0" u="none" strike="noStrike" cap="none" normalizeH="0" baseline="0" smtClean="0">
+                        <a:rPr kumimoji="0" lang="en-US" sz="1800" b="0" i="0" u="none" strike="noStrike" cap="none" normalizeH="0" baseline="0">
                           <a:ln>
                             <a:noFill/>
                           </a:ln>
@@ -10584,7 +10535,7 @@
                         <a:tabLst/>
                       </a:pPr>
                       <a:r>
-                        <a:rPr kumimoji="0" lang="en-US" sz="1800" b="0" i="0" u="none" strike="noStrike" cap="none" normalizeH="0" baseline="0" smtClean="0">
+                        <a:rPr kumimoji="0" lang="en-US" sz="1800" b="0" i="0" u="none" strike="noStrike" cap="none" normalizeH="0" baseline="0">
                           <a:ln>
                             <a:noFill/>
                           </a:ln>
@@ -10668,7 +10619,7 @@
                         <a:tabLst/>
                       </a:pPr>
                       <a:r>
-                        <a:rPr kumimoji="0" lang="en-US" sz="1800" b="0" i="0" u="none" strike="noStrike" cap="none" normalizeH="0" baseline="0" smtClean="0">
+                        <a:rPr kumimoji="0" lang="en-US" sz="1800" b="0" i="0" u="none" strike="noStrike" cap="none" normalizeH="0" baseline="0">
                           <a:ln>
                             <a:noFill/>
                           </a:ln>
@@ -10681,7 +10632,7 @@
                         <a:t>96.40 (</a:t>
                       </a:r>
                       <a:r>
-                        <a:rPr kumimoji="0" lang="en-US" sz="1800" b="0" i="1" u="none" strike="noStrike" cap="none" normalizeH="0" baseline="0" smtClean="0">
+                        <a:rPr kumimoji="0" lang="en-US" sz="1800" b="0" i="1" u="none" strike="noStrike" cap="none" normalizeH="0" baseline="0">
                           <a:ln>
                             <a:noFill/>
                           </a:ln>
@@ -10694,7 +10645,7 @@
                         <a:t>accuracy</a:t>
                       </a:r>
                       <a:r>
-                        <a:rPr kumimoji="0" lang="en-US" sz="1800" b="0" i="0" u="none" strike="noStrike" cap="none" normalizeH="0" baseline="0" smtClean="0">
+                        <a:rPr kumimoji="0" lang="en-US" sz="1800" b="0" i="0" u="none" strike="noStrike" cap="none" normalizeH="0" baseline="0">
                           <a:ln>
                             <a:noFill/>
                           </a:ln>
@@ -10706,7 +10657,7 @@
                         </a:rPr>
                         <a:t>)</a:t>
                       </a:r>
-                      <a:endParaRPr kumimoji="0" lang="en-US" sz="1800" b="0" i="1" u="none" strike="noStrike" cap="none" normalizeH="0" baseline="0" smtClean="0">
+                      <a:endParaRPr kumimoji="0" lang="en-US" sz="1800" b="0" i="1" u="none" strike="noStrike" cap="none" normalizeH="0" baseline="0">
                         <a:ln>
                           <a:noFill/>
                         </a:ln>
@@ -10787,13 +10738,6 @@
   <p:transition>
     <p:zoom/>
   </p:transition>
-  <p:timing>
-    <p:tnLst>
-      <p:par>
-        <p:cTn id="1" dur="indefinite" restart="never" nodeType="tmRoot"/>
-      </p:par>
-    </p:tnLst>
-  </p:timing>
 </p:sld>
 </file>
 
@@ -11036,16 +10980,7 @@
                 </a:solidFill>
                 <a:latin typeface="Open Sans"/>
               </a:rPr>
-              <a:t>True Positive </a:t>
-            </a:r>
-            <a:r>
-              <a:rPr lang="en-IN" b="1" dirty="0" smtClean="0">
-                <a:solidFill>
-                  <a:srgbClr val="444444"/>
-                </a:solidFill>
-                <a:latin typeface="Open Sans"/>
-              </a:rPr>
-              <a:t>Rate:</a:t>
+              <a:t>True Positive Rate:</a:t>
             </a:r>
             <a:r>
               <a:rPr lang="en-IN" dirty="0">
@@ -11132,22 +11067,13 @@
               <a:buChar char="•"/>
             </a:pPr>
             <a:r>
-              <a:rPr lang="en-IN" b="1" dirty="0" smtClean="0">
+              <a:rPr lang="en-IN" b="1" dirty="0">
                 <a:solidFill>
                   <a:srgbClr val="444444"/>
                 </a:solidFill>
                 <a:latin typeface="Open Sans"/>
               </a:rPr>
-              <a:t>True negative rate : Specificity</a:t>
-            </a:r>
-            <a:r>
-              <a:rPr lang="en-IN" b="1" dirty="0">
-                <a:solidFill>
-                  <a:srgbClr val="444444"/>
-                </a:solidFill>
-                <a:latin typeface="Open Sans"/>
-              </a:rPr>
-              <a:t>:</a:t>
+              <a:t>True negative rate : Specificity:</a:t>
             </a:r>
             <a:r>
               <a:rPr lang="en-IN" dirty="0">
@@ -11234,16 +11160,7 @@
                 </a:solidFill>
                 <a:latin typeface="Open Sans"/>
               </a:rPr>
-              <a:t>= </a:t>
-            </a:r>
-            <a:r>
-              <a:rPr lang="en-IN" smtClean="0">
-                <a:solidFill>
-                  <a:srgbClr val="444444"/>
-                </a:solidFill>
-                <a:latin typeface="Open Sans"/>
-              </a:rPr>
-              <a:t>0.91</a:t>
+              <a:t>= 0.91</a:t>
             </a:r>
             <a:endParaRPr lang="en-IN" dirty="0">
               <a:solidFill>
@@ -11302,10 +11219,9 @@
           <a:lstStyle/>
           <a:p>
             <a:r>
-              <a:rPr lang="en-IN" dirty="0" smtClean="0"/>
+              <a:rPr lang="en-IN" dirty="0"/>
               <a:t>P-R Curve</a:t>
             </a:r>
-            <a:endParaRPr lang="en-IN" dirty="0"/>
           </a:p>
         </p:txBody>
       </p:sp>
@@ -11383,8 +11299,8 @@
         </p:blipFill>
         <p:spPr>
           <a:xfrm>
-            <a:off x="4884819" y="381001"/>
-            <a:ext cx="6730601" cy="6125022"/>
+            <a:off x="7903779" y="3899136"/>
+            <a:ext cx="2832735" cy="2577863"/>
           </a:xfrm>
           <a:prstGeom prst="rect">
             <a:avLst/>
@@ -11404,13 +11320,6 @@
   <p:transition>
     <p:zoom/>
   </p:transition>
-  <p:timing>
-    <p:tnLst>
-      <p:par>
-        <p:cTn id="1" dur="indefinite" restart="never" nodeType="tmRoot"/>
-      </p:par>
-    </p:tnLst>
-  </p:timing>
 </p:sld>
 </file>
 
@@ -11449,10 +11358,9 @@
           <a:lstStyle/>
           <a:p>
             <a:r>
-              <a:rPr lang="en-IN" dirty="0" smtClean="0"/>
+              <a:rPr lang="en-IN" dirty="0"/>
               <a:t>Example</a:t>
             </a:r>
-            <a:endParaRPr lang="en-IN" dirty="0"/>
           </a:p>
         </p:txBody>
       </p:sp>
@@ -11534,7 +11442,7 @@
               <a:tabLst/>
             </a:pPr>
             <a:r>
-              <a:rPr kumimoji="0" lang="en-US" altLang="en-US" sz="3200" b="0" i="0" u="none" strike="noStrike" cap="none" normalizeH="0" baseline="0" dirty="0" smtClean="0">
+              <a:rPr kumimoji="0" lang="en-US" altLang="en-US" sz="3200" b="0" i="0" u="none" strike="noStrike" cap="none" normalizeH="0" baseline="0" dirty="0">
                 <a:ln>
                   <a:noFill/>
                 </a:ln>
@@ -11547,7 +11455,7 @@
               <a:t>If I have a database with </a:t>
             </a:r>
             <a:r>
-              <a:rPr kumimoji="0" lang="en-US" altLang="en-US" sz="3200" b="1" i="0" u="none" strike="noStrike" cap="none" normalizeH="0" baseline="0" dirty="0" smtClean="0">
+              <a:rPr kumimoji="0" lang="en-US" altLang="en-US" sz="3200" b="1" i="0" u="none" strike="noStrike" cap="none" normalizeH="0" baseline="0" dirty="0">
                 <a:ln>
                   <a:noFill/>
                 </a:ln>
@@ -11578,7 +11486,7 @@
               <a:tabLst/>
             </a:pPr>
             <a:r>
-              <a:rPr kumimoji="0" lang="en-US" altLang="en-US" sz="3200" b="1" i="0" u="none" strike="noStrike" cap="none" normalizeH="0" baseline="0" dirty="0" smtClean="0">
+              <a:rPr kumimoji="0" lang="en-US" altLang="en-US" sz="3200" b="1" i="0" u="none" strike="noStrike" cap="none" normalizeH="0" baseline="0" dirty="0">
                 <a:ln>
                   <a:noFill/>
                 </a:ln>
@@ -11591,7 +11499,7 @@
               <a:t>60 are relevant </a:t>
             </a:r>
             <a:r>
-              <a:rPr kumimoji="0" lang="en-US" altLang="en-US" sz="3200" b="0" i="0" u="none" strike="noStrike" cap="none" normalizeH="0" baseline="0" dirty="0" smtClean="0">
+              <a:rPr kumimoji="0" lang="en-US" altLang="en-US" sz="3200" b="0" i="0" u="none" strike="noStrike" cap="none" normalizeH="0" baseline="0" dirty="0">
                 <a:ln>
                   <a:noFill/>
                 </a:ln>
@@ -11622,7 +11530,7 @@
               <a:tabLst/>
             </a:pPr>
             <a:r>
-              <a:rPr kumimoji="0" lang="en-US" altLang="en-US" sz="3200" b="0" i="0" u="none" strike="noStrike" cap="none" normalizeH="0" baseline="0" dirty="0" smtClean="0">
+              <a:rPr kumimoji="0" lang="en-US" altLang="en-US" sz="3200" b="0" i="0" u="none" strike="noStrike" cap="none" normalizeH="0" baseline="0" dirty="0">
                 <a:ln>
                   <a:noFill/>
                 </a:ln>
@@ -11635,7 +11543,7 @@
               <a:t> If my IR system returns a total of </a:t>
             </a:r>
             <a:r>
-              <a:rPr kumimoji="0" lang="en-US" altLang="en-US" sz="3200" b="1" i="0" u="none" strike="noStrike" cap="none" normalizeH="0" baseline="0" dirty="0" smtClean="0">
+              <a:rPr kumimoji="0" lang="en-US" altLang="en-US" sz="3200" b="1" i="0" u="none" strike="noStrike" cap="none" normalizeH="0" baseline="0" dirty="0">
                 <a:ln>
                   <a:noFill/>
                 </a:ln>
@@ -11648,7 +11556,7 @@
               <a:t>50 documents</a:t>
             </a:r>
             <a:r>
-              <a:rPr kumimoji="0" lang="en-US" altLang="en-US" sz="3200" b="0" i="0" u="none" strike="noStrike" cap="none" normalizeH="0" baseline="0" dirty="0" smtClean="0">
+              <a:rPr kumimoji="0" lang="en-US" altLang="en-US" sz="3200" b="0" i="0" u="none" strike="noStrike" cap="none" normalizeH="0" baseline="0" dirty="0">
                 <a:ln>
                   <a:noFill/>
                 </a:ln>
@@ -11679,7 +11587,7 @@
               <a:tabLst/>
             </a:pPr>
             <a:r>
-              <a:rPr kumimoji="0" lang="en-US" altLang="en-US" sz="3200" b="0" i="0" u="none" strike="noStrike" cap="none" normalizeH="0" baseline="0" dirty="0" smtClean="0">
+              <a:rPr kumimoji="0" lang="en-US" altLang="en-US" sz="3200" b="0" i="0" u="none" strike="noStrike" cap="none" normalizeH="0" baseline="0" dirty="0">
                 <a:ln>
                   <a:noFill/>
                 </a:ln>
@@ -11692,7 +11600,7 @@
               <a:t>out of which </a:t>
             </a:r>
             <a:r>
-              <a:rPr kumimoji="0" lang="en-US" altLang="en-US" sz="3200" b="1" i="0" u="none" strike="noStrike" cap="none" normalizeH="0" baseline="0" dirty="0" smtClean="0">
+              <a:rPr kumimoji="0" lang="en-US" altLang="en-US" sz="3200" b="1" i="0" u="none" strike="noStrike" cap="none" normalizeH="0" baseline="0" dirty="0">
                 <a:ln>
                   <a:noFill/>
                 </a:ln>
@@ -11705,7 +11613,7 @@
               <a:t>40 are relevant</a:t>
             </a:r>
             <a:r>
-              <a:rPr kumimoji="0" lang="en-US" altLang="en-US" sz="3200" b="0" i="0" u="none" strike="noStrike" cap="none" normalizeH="0" baseline="0" dirty="0" smtClean="0">
+              <a:rPr kumimoji="0" lang="en-US" altLang="en-US" sz="3200" b="0" i="0" u="none" strike="noStrike" cap="none" normalizeH="0" baseline="0" dirty="0">
                 <a:ln>
                   <a:noFill/>
                 </a:ln>
@@ -11736,7 +11644,7 @@
               <a:tabLst/>
             </a:pPr>
             <a:r>
-              <a:rPr kumimoji="0" lang="en-US" altLang="en-US" sz="3200" b="0" i="0" u="none" strike="noStrike" cap="none" normalizeH="0" baseline="0" dirty="0" smtClean="0">
+              <a:rPr kumimoji="0" lang="en-US" altLang="en-US" sz="3200" b="0" i="0" u="none" strike="noStrike" cap="none" normalizeH="0" baseline="0" dirty="0">
                 <a:ln>
                   <a:noFill/>
                 </a:ln>
@@ -11749,7 +11657,7 @@
               <a:t>the precision for this system is </a:t>
             </a:r>
             <a:r>
-              <a:rPr kumimoji="0" lang="en-US" altLang="en-US" sz="3200" b="1" i="0" u="none" strike="noStrike" cap="none" normalizeH="0" baseline="0" dirty="0" smtClean="0">
+              <a:rPr kumimoji="0" lang="en-US" altLang="en-US" sz="3200" b="1" i="0" u="none" strike="noStrike" cap="none" normalizeH="0" baseline="0" dirty="0">
                 <a:ln>
                   <a:noFill/>
                 </a:ln>
@@ -11762,7 +11670,7 @@
               <a:t>40/50=0.8 </a:t>
             </a:r>
             <a:r>
-              <a:rPr kumimoji="0" lang="en-US" altLang="en-US" sz="3200" b="0" i="0" u="none" strike="noStrike" cap="none" normalizeH="0" baseline="0" dirty="0" smtClean="0">
+              <a:rPr kumimoji="0" lang="en-US" altLang="en-US" sz="3200" b="0" i="0" u="none" strike="noStrike" cap="none" normalizeH="0" baseline="0" dirty="0">
                 <a:ln>
                   <a:noFill/>
                 </a:ln>
@@ -11775,7 +11683,7 @@
               <a:t>and the recall is </a:t>
             </a:r>
             <a:r>
-              <a:rPr kumimoji="0" lang="en-US" altLang="en-US" sz="3200" b="1" i="0" u="none" strike="noStrike" cap="none" normalizeH="0" baseline="0" dirty="0" smtClean="0">
+              <a:rPr kumimoji="0" lang="en-US" altLang="en-US" sz="3200" b="1" i="0" u="none" strike="noStrike" cap="none" normalizeH="0" baseline="0" dirty="0">
                 <a:ln>
                   <a:noFill/>
                 </a:ln>
@@ -11787,21 +11695,8 @@
               </a:rPr>
               <a:t>40/60=0.66</a:t>
             </a:r>
-            <a:r>
-              <a:rPr kumimoji="0" lang="en-US" altLang="en-US" sz="3200" b="0" i="0" u="none" strike="noStrike" cap="none" normalizeH="0" baseline="0" dirty="0" smtClean="0">
-                <a:ln>
-                  <a:noFill/>
-                </a:ln>
-                <a:solidFill>
-                  <a:schemeClr val="tx1"/>
-                </a:solidFill>
-                <a:effectLst/>
-                <a:latin typeface="Garamond" panose="02020404030301010803" pitchFamily="18" charset="0"/>
-              </a:rPr>
-              <a:t/>
-            </a:r>
             <a:br>
-              <a:rPr kumimoji="0" lang="en-US" altLang="en-US" sz="3200" b="0" i="0" u="none" strike="noStrike" cap="none" normalizeH="0" baseline="0" dirty="0" smtClean="0">
+              <a:rPr kumimoji="0" lang="en-US" altLang="en-US" sz="3200" b="0" i="0" u="none" strike="noStrike" cap="none" normalizeH="0" baseline="0" dirty="0">
                 <a:ln>
                   <a:noFill/>
                 </a:ln>
@@ -11813,7 +11708,7 @@
               </a:rPr>
             </a:br>
             <a:r>
-              <a:rPr kumimoji="0" lang="en-US" altLang="en-US" sz="3200" b="0" i="0" u="none" strike="noStrike" cap="none" normalizeH="0" baseline="0" dirty="0" smtClean="0">
+              <a:rPr kumimoji="0" lang="en-US" altLang="en-US" sz="3200" b="0" i="0" u="none" strike="noStrike" cap="none" normalizeH="0" baseline="0" dirty="0">
                 <a:ln>
                   <a:noFill/>
                 </a:ln>
@@ -11844,7 +11739,7 @@
               <a:tabLst/>
             </a:pPr>
             <a:r>
-              <a:rPr kumimoji="0" lang="en-US" altLang="en-US" sz="3200" b="0" i="0" u="none" strike="noStrike" cap="none" normalizeH="0" baseline="0" dirty="0" smtClean="0">
+              <a:rPr kumimoji="0" lang="en-US" altLang="en-US" sz="3200" b="0" i="0" u="none" strike="noStrike" cap="none" normalizeH="0" baseline="0" dirty="0">
                 <a:ln>
                   <a:noFill/>
                 </a:ln>
@@ -11875,7 +11770,7 @@
               <a:tabLst/>
             </a:pPr>
             <a:r>
-              <a:rPr kumimoji="0" lang="en-US" altLang="en-US" sz="3200" b="0" i="0" u="none" strike="noStrike" cap="none" normalizeH="0" baseline="0" dirty="0" smtClean="0">
+              <a:rPr kumimoji="0" lang="en-US" altLang="en-US" sz="3200" b="0" i="0" u="none" strike="noStrike" cap="none" normalizeH="0" baseline="0" dirty="0">
                 <a:ln>
                   <a:noFill/>
                 </a:ln>
@@ -11888,7 +11783,7 @@
               <a:t>This would increase my precision to </a:t>
             </a:r>
             <a:r>
-              <a:rPr kumimoji="0" lang="en-US" altLang="en-US" sz="3200" b="1" i="0" u="none" strike="noStrike" cap="none" normalizeH="0" baseline="0" dirty="0" smtClean="0">
+              <a:rPr kumimoji="0" lang="en-US" altLang="en-US" sz="3200" b="1" i="0" u="none" strike="noStrike" cap="none" normalizeH="0" baseline="0" dirty="0">
                 <a:ln>
                   <a:noFill/>
                 </a:ln>
@@ -11919,7 +11814,7 @@
               <a:tabLst/>
             </a:pPr>
             <a:r>
-              <a:rPr kumimoji="0" lang="en-US" altLang="en-US" sz="3200" b="1" i="0" u="none" strike="noStrike" cap="none" normalizeH="0" baseline="0" dirty="0" smtClean="0">
+              <a:rPr kumimoji="0" lang="en-US" altLang="en-US" sz="3200" b="1" i="0" u="none" strike="noStrike" cap="none" normalizeH="0" baseline="0" dirty="0">
                 <a:ln>
                   <a:noFill/>
                 </a:ln>
@@ -11947,13 +11842,6 @@
   <p:transition>
     <p:zoom/>
   </p:transition>
-  <p:timing>
-    <p:tnLst>
-      <p:par>
-        <p:cTn id="1" dur="indefinite" restart="never" nodeType="tmRoot"/>
-      </p:par>
-    </p:tnLst>
-  </p:timing>
 </p:sld>
 </file>
 
@@ -12003,7 +11891,7 @@
               </a:lnSpc>
             </a:pPr>
             <a:r>
-              <a:rPr lang="en-US" dirty="0" smtClean="0">
+              <a:rPr lang="en-US" dirty="0">
                 <a:solidFill>
                   <a:srgbClr val="170981"/>
                 </a:solidFill>
@@ -12320,21 +12208,6 @@
   <p:clrMapOvr>
     <a:masterClrMapping/>
   </p:clrMapOvr>
-  <mc:AlternateContent xmlns:mc="http://schemas.openxmlformats.org/markup-compatibility/2006" xmlns:p14="http://schemas.microsoft.com/office/powerpoint/2010/main">
-    <mc:Choice Requires="p14">
-      <p:transition spd="slow" p14:dur="2000"/>
-    </mc:Choice>
-    <mc:Fallback xmlns="">
-      <p:transition spd="slow"/>
-    </mc:Fallback>
-  </mc:AlternateContent>
-  <p:timing>
-    <p:tnLst>
-      <p:par>
-        <p:cTn id="1" dur="indefinite" restart="never" nodeType="tmRoot"/>
-      </p:par>
-    </p:tnLst>
-  </p:timing>
 </p:sld>
 </file>
 
@@ -12380,14 +12253,14 @@
           <a:p>
             <a:pPr eaLnBrk="1" hangingPunct="1"/>
             <a:r>
-              <a:rPr lang="en-US" smtClean="0"/>
+              <a:rPr lang="en-US"/>
               <a:t>Evaluating Classifier Accuracy:</a:t>
             </a:r>
             <a:br>
-              <a:rPr lang="en-US" smtClean="0"/>
+              <a:rPr lang="en-US"/>
             </a:br>
             <a:r>
-              <a:rPr lang="en-US" smtClean="0"/>
+              <a:rPr lang="en-US"/>
               <a:t>Holdout &amp; Cross-Validation Methods</a:t>
             </a:r>
             <a:endParaRPr lang="en-US" sz="4000"/>
@@ -12445,7 +12318,7 @@
               </a:lnSpc>
             </a:pPr>
             <a:r>
-              <a:rPr lang="en-US" dirty="0" smtClean="0"/>
+              <a:rPr lang="en-US" dirty="0"/>
               <a:t>Training set (e.g., 2/3) for model construction</a:t>
             </a:r>
           </a:p>
@@ -12456,7 +12329,7 @@
               </a:lnSpc>
             </a:pPr>
             <a:r>
-              <a:rPr lang="en-US" dirty="0" smtClean="0"/>
+              <a:rPr lang="en-US" dirty="0"/>
               <a:t>Test set (e.g., 1/3) for accuracy estimation</a:t>
             </a:r>
           </a:p>
@@ -12482,7 +12355,7 @@
               </a:lnSpc>
             </a:pPr>
             <a:r>
-              <a:rPr lang="en-US" dirty="0" smtClean="0"/>
+              <a:rPr lang="en-US" dirty="0"/>
               <a:t>Repeat holdout k times, accuracy = avg. of the accuracies obtained</a:t>
             </a:r>
           </a:p>
@@ -12492,7 +12365,7 @@
                 <a:spcPct val="80000"/>
               </a:lnSpc>
             </a:pPr>
-            <a:endParaRPr lang="en-US" dirty="0" smtClean="0"/>
+            <a:endParaRPr lang="en-US" dirty="0"/>
           </a:p>
         </p:txBody>
       </p:sp>
@@ -12685,21 +12558,6 @@
   <p:clrMapOvr>
     <a:masterClrMapping/>
   </p:clrMapOvr>
-  <mc:AlternateContent xmlns:mc="http://schemas.openxmlformats.org/markup-compatibility/2006" xmlns:p14="http://schemas.microsoft.com/office/powerpoint/2010/main">
-    <mc:Choice Requires="p14">
-      <p:transition spd="slow" p14:dur="2000"/>
-    </mc:Choice>
-    <mc:Fallback xmlns="">
-      <p:transition spd="slow"/>
-    </mc:Fallback>
-  </mc:AlternateContent>
-  <p:timing>
-    <p:tnLst>
-      <p:par>
-        <p:cTn id="1" dur="indefinite" restart="never" nodeType="tmRoot"/>
-      </p:par>
-    </p:tnLst>
-  </p:timing>
 </p:sld>
 </file>
 
@@ -12798,10 +12656,9 @@
           <a:lstStyle/>
           <a:p>
             <a:r>
-              <a:rPr lang="en-IN" dirty="0" smtClean="0"/>
+              <a:rPr lang="en-IN" dirty="0"/>
               <a:t>Definitions</a:t>
             </a:r>
-            <a:endParaRPr lang="en-IN" dirty="0"/>
           </a:p>
         </p:txBody>
       </p:sp>
@@ -13005,7 +12862,7 @@
               <a:tabLst/>
             </a:pPr>
             <a:r>
-              <a:rPr kumimoji="0" lang="en-US" altLang="en-US" sz="2200" b="1" i="1" u="none" strike="noStrike" cap="none" normalizeH="0" baseline="0" dirty="0" smtClean="0">
+              <a:rPr kumimoji="0" lang="en-US" altLang="en-US" sz="2200" b="1" i="1" u="none" strike="noStrike" cap="none" normalizeH="0" baseline="0" dirty="0">
                 <a:ln>
                   <a:noFill/>
                 </a:ln>
@@ -13018,7 +12875,7 @@
               <a:t>Training Dataset</a:t>
             </a:r>
             <a:r>
-              <a:rPr kumimoji="0" lang="en-US" altLang="en-US" sz="2200" b="0" i="1" u="none" strike="noStrike" cap="none" normalizeH="0" baseline="0" dirty="0" smtClean="0">
+              <a:rPr kumimoji="0" lang="en-US" altLang="en-US" sz="2200" b="0" i="1" u="none" strike="noStrike" cap="none" normalizeH="0" baseline="0" dirty="0">
                 <a:ln>
                   <a:noFill/>
                 </a:ln>
@@ -13031,7 +12888,7 @@
               <a:t>: The sample of data used to fit the model. </a:t>
             </a:r>
             <a:r>
-              <a:rPr kumimoji="0" lang="en-US" altLang="en-US" sz="2200" b="0" i="0" u="none" strike="noStrike" cap="none" normalizeH="0" baseline="0" dirty="0" smtClean="0">
+              <a:rPr kumimoji="0" lang="en-US" altLang="en-US" sz="2200" b="0" i="0" u="none" strike="noStrike" cap="none" normalizeH="0" baseline="0" dirty="0">
                 <a:ln>
                   <a:noFill/>
                 </a:ln>
@@ -13044,7 +12901,7 @@
               <a:t>The actual dataset that we use to train the model (weights and biases in the case of a Neural Network). The model </a:t>
             </a:r>
             <a:r>
-              <a:rPr kumimoji="0" lang="en-US" altLang="en-US" sz="2200" b="0" i="1" u="none" strike="noStrike" cap="none" normalizeH="0" baseline="0" dirty="0" smtClean="0">
+              <a:rPr kumimoji="0" lang="en-US" altLang="en-US" sz="2200" b="0" i="1" u="none" strike="noStrike" cap="none" normalizeH="0" baseline="0" dirty="0">
                 <a:ln>
                   <a:noFill/>
                 </a:ln>
@@ -13057,7 +12914,7 @@
               <a:t>sees</a:t>
             </a:r>
             <a:r>
-              <a:rPr kumimoji="0" lang="en-US" altLang="en-US" sz="2200" b="0" i="0" u="none" strike="noStrike" cap="none" normalizeH="0" baseline="0" dirty="0" smtClean="0">
+              <a:rPr kumimoji="0" lang="en-US" altLang="en-US" sz="2200" b="0" i="0" u="none" strike="noStrike" cap="none" normalizeH="0" baseline="0" dirty="0">
                 <a:ln>
                   <a:noFill/>
                 </a:ln>
@@ -13070,7 +12927,7 @@
               <a:t> and </a:t>
             </a:r>
             <a:r>
-              <a:rPr kumimoji="0" lang="en-US" altLang="en-US" sz="2200" b="0" i="1" u="none" strike="noStrike" cap="none" normalizeH="0" baseline="0" dirty="0" smtClean="0">
+              <a:rPr kumimoji="0" lang="en-US" altLang="en-US" sz="2200" b="0" i="1" u="none" strike="noStrike" cap="none" normalizeH="0" baseline="0" dirty="0">
                 <a:ln>
                   <a:noFill/>
                 </a:ln>
@@ -13083,7 +12940,7 @@
               <a:t>learns</a:t>
             </a:r>
             <a:r>
-              <a:rPr kumimoji="0" lang="en-US" altLang="en-US" sz="2200" b="0" i="0" u="none" strike="noStrike" cap="none" normalizeH="0" baseline="0" dirty="0" smtClean="0">
+              <a:rPr kumimoji="0" lang="en-US" altLang="en-US" sz="2200" b="0" i="0" u="none" strike="noStrike" cap="none" normalizeH="0" baseline="0" dirty="0">
                 <a:ln>
                   <a:noFill/>
                 </a:ln>
@@ -13113,7 +12970,7 @@
               <a:buNone/>
               <a:tabLst/>
             </a:pPr>
-            <a:endParaRPr kumimoji="0" lang="en-US" altLang="en-US" sz="2200" b="0" i="0" u="none" strike="noStrike" cap="none" normalizeH="0" baseline="0" dirty="0" smtClean="0">
+            <a:endParaRPr kumimoji="0" lang="en-US" altLang="en-US" sz="2200" b="0" i="0" u="none" strike="noStrike" cap="none" normalizeH="0" baseline="0" dirty="0">
               <a:ln>
                 <a:noFill/>
               </a:ln>
@@ -13142,7 +12999,7 @@
               <a:tabLst/>
             </a:pPr>
             <a:r>
-              <a:rPr kumimoji="0" lang="en-US" altLang="en-US" sz="2200" b="1" i="1" u="none" strike="noStrike" cap="none" normalizeH="0" baseline="0" dirty="0" smtClean="0">
+              <a:rPr kumimoji="0" lang="en-US" altLang="en-US" sz="2200" b="1" i="1" u="none" strike="noStrike" cap="none" normalizeH="0" baseline="0" dirty="0">
                 <a:ln>
                   <a:noFill/>
                 </a:ln>
@@ -13155,7 +13012,7 @@
               <a:t>Validation Dataset</a:t>
             </a:r>
             <a:r>
-              <a:rPr kumimoji="0" lang="en-US" altLang="en-US" sz="2200" b="0" i="1" u="none" strike="noStrike" cap="none" normalizeH="0" baseline="0" dirty="0" smtClean="0">
+              <a:rPr kumimoji="0" lang="en-US" altLang="en-US" sz="2200" b="0" i="1" u="none" strike="noStrike" cap="none" normalizeH="0" baseline="0" dirty="0">
                 <a:ln>
                   <a:noFill/>
                 </a:ln>
@@ -13185,7 +13042,7 @@
               <a:buNone/>
               <a:tabLst/>
             </a:pPr>
-            <a:endParaRPr kumimoji="0" lang="en-US" altLang="en-US" sz="2200" b="0" i="0" u="none" strike="noStrike" cap="none" normalizeH="0" baseline="0" dirty="0" smtClean="0">
+            <a:endParaRPr kumimoji="0" lang="en-US" altLang="en-US" sz="2200" b="0" i="0" u="none" strike="noStrike" cap="none" normalizeH="0" baseline="0" dirty="0">
               <a:ln>
                 <a:noFill/>
               </a:ln>
@@ -13214,7 +13071,7 @@
               <a:tabLst/>
             </a:pPr>
             <a:r>
-              <a:rPr kumimoji="0" lang="en-US" altLang="en-US" sz="2200" b="0" i="0" u="none" strike="noStrike" cap="none" normalizeH="0" baseline="0" dirty="0" smtClean="0">
+              <a:rPr kumimoji="0" lang="en-US" altLang="en-US" sz="2200" b="0" i="0" u="none" strike="noStrike" cap="none" normalizeH="0" baseline="0" dirty="0">
                 <a:ln>
                   <a:noFill/>
                 </a:ln>
@@ -13227,7 +13084,7 @@
               <a:t>The validation set is used to evaluate a given model, but this is for frequent evaluation. We, as machine learning engineers, use this data to fine-tune the model hyper parameters. Hence the model occasionally </a:t>
             </a:r>
             <a:r>
-              <a:rPr kumimoji="0" lang="en-US" altLang="en-US" sz="2200" b="0" i="1" u="none" strike="noStrike" cap="none" normalizeH="0" baseline="0" dirty="0" smtClean="0">
+              <a:rPr kumimoji="0" lang="en-US" altLang="en-US" sz="2200" b="0" i="1" u="none" strike="noStrike" cap="none" normalizeH="0" baseline="0" dirty="0">
                 <a:ln>
                   <a:noFill/>
                 </a:ln>
@@ -13240,7 +13097,7 @@
               <a:t>sees</a:t>
             </a:r>
             <a:r>
-              <a:rPr kumimoji="0" lang="en-US" altLang="en-US" sz="2200" b="0" i="0" u="none" strike="noStrike" cap="none" normalizeH="0" baseline="0" dirty="0" smtClean="0">
+              <a:rPr kumimoji="0" lang="en-US" altLang="en-US" sz="2200" b="0" i="0" u="none" strike="noStrike" cap="none" normalizeH="0" baseline="0" dirty="0">
                 <a:ln>
                   <a:noFill/>
                 </a:ln>
@@ -13253,7 +13110,7 @@
               <a:t> this data, but never does it  </a:t>
             </a:r>
             <a:r>
-              <a:rPr kumimoji="0" lang="en-US" altLang="en-US" sz="2200" b="0" i="1" u="none" strike="noStrike" cap="none" normalizeH="0" baseline="0" dirty="0" smtClean="0">
+              <a:rPr kumimoji="0" lang="en-US" altLang="en-US" sz="2200" b="0" i="1" u="none" strike="noStrike" cap="none" normalizeH="0" baseline="0" dirty="0">
                 <a:ln>
                   <a:noFill/>
                 </a:ln>
@@ -13266,7 +13123,7 @@
               <a:t>Learn</a:t>
             </a:r>
             <a:r>
-              <a:rPr kumimoji="0" lang="en-US" altLang="en-US" sz="2200" b="0" i="0" u="none" strike="noStrike" cap="none" normalizeH="0" baseline="0" dirty="0" smtClean="0">
+              <a:rPr kumimoji="0" lang="en-US" altLang="en-US" sz="2200" b="0" i="0" u="none" strike="noStrike" cap="none" normalizeH="0" baseline="0" dirty="0">
                 <a:ln>
                   <a:noFill/>
                 </a:ln>
@@ -13296,7 +13153,7 @@
               <a:buNone/>
               <a:tabLst/>
             </a:pPr>
-            <a:endParaRPr kumimoji="0" lang="en-US" altLang="en-US" sz="2200" b="0" i="0" u="none" strike="noStrike" cap="none" normalizeH="0" baseline="0" dirty="0" smtClean="0">
+            <a:endParaRPr kumimoji="0" lang="en-US" altLang="en-US" sz="2200" b="0" i="0" u="none" strike="noStrike" cap="none" normalizeH="0" baseline="0" dirty="0">
               <a:ln>
                 <a:noFill/>
               </a:ln>
@@ -13325,7 +13182,7 @@
               <a:tabLst/>
             </a:pPr>
             <a:r>
-              <a:rPr kumimoji="0" lang="en-US" altLang="en-US" sz="2200" b="1" i="1" u="none" strike="noStrike" cap="none" normalizeH="0" baseline="0" dirty="0" smtClean="0">
+              <a:rPr kumimoji="0" lang="en-US" altLang="en-US" sz="2200" b="1" i="1" u="none" strike="noStrike" cap="none" normalizeH="0" baseline="0" dirty="0">
                 <a:ln>
                   <a:noFill/>
                 </a:ln>
@@ -13338,7 +13195,7 @@
               <a:t>Test Dataset</a:t>
             </a:r>
             <a:r>
-              <a:rPr kumimoji="0" lang="en-US" altLang="en-US" sz="2200" b="0" i="1" u="none" strike="noStrike" cap="none" normalizeH="0" baseline="0" dirty="0" smtClean="0">
+              <a:rPr kumimoji="0" lang="en-US" altLang="en-US" sz="2200" b="0" i="1" u="none" strike="noStrike" cap="none" normalizeH="0" baseline="0" dirty="0">
                 <a:ln>
                   <a:noFill/>
                 </a:ln>
@@ -13368,7 +13225,7 @@
               <a:buNone/>
               <a:tabLst/>
             </a:pPr>
-            <a:endParaRPr kumimoji="0" lang="en-US" altLang="en-US" sz="1800" b="0" i="0" u="none" strike="noStrike" cap="none" normalizeH="0" baseline="0" dirty="0" smtClean="0">
+            <a:endParaRPr kumimoji="0" lang="en-US" altLang="en-US" sz="1800" b="0" i="0" u="none" strike="noStrike" cap="none" normalizeH="0" baseline="0" dirty="0">
               <a:ln>
                 <a:noFill/>
               </a:ln>
@@ -13390,13 +13247,6 @@
   <p:clrMapOvr>
     <a:masterClrMapping/>
   </p:clrMapOvr>
-  <p:timing>
-    <p:tnLst>
-      <p:par>
-        <p:cTn id="1" dur="indefinite" restart="never" nodeType="tmRoot"/>
-      </p:par>
-    </p:tnLst>
-  </p:timing>
 </p:sld>
 </file>
 
@@ -13454,13 +13304,6 @@
   <p:transition>
     <p:zoom/>
   </p:transition>
-  <p:timing>
-    <p:tnLst>
-      <p:par>
-        <p:cTn id="1" dur="indefinite" restart="never" nodeType="tmRoot"/>
-      </p:par>
-    </p:tnLst>
-  </p:timing>
 </p:sld>
 </file>
 
@@ -13553,13 +13396,6 @@
   <p:transition>
     <p:zoom/>
   </p:transition>
-  <p:timing>
-    <p:tnLst>
-      <p:par>
-        <p:cTn id="1" dur="indefinite" restart="never" nodeType="tmRoot"/>
-      </p:par>
-    </p:tnLst>
-  </p:timing>
 </p:sld>
 </file>
 
@@ -13598,10 +13434,9 @@
           <a:lstStyle/>
           <a:p>
             <a:r>
-              <a:rPr lang="en-IN" dirty="0" smtClean="0"/>
+              <a:rPr lang="en-IN" dirty="0"/>
               <a:t>Receiver Operating Characteristic Curves</a:t>
             </a:r>
-            <a:endParaRPr lang="en-IN" dirty="0"/>
           </a:p>
         </p:txBody>
       </p:sp>
@@ -13690,13 +13525,6 @@
   <p:transition>
     <p:zoom/>
   </p:transition>
-  <p:timing>
-    <p:tnLst>
-      <p:par>
-        <p:cTn id="1" dur="indefinite" restart="never" nodeType="tmRoot"/>
-      </p:par>
-    </p:tnLst>
-  </p:timing>
 </p:sld>
 </file>
 
@@ -13733,10 +13561,9 @@
           <a:lstStyle/>
           <a:p>
             <a:r>
-              <a:rPr lang="en-IN" dirty="0" smtClean="0"/>
+              <a:rPr lang="en-IN" dirty="0"/>
               <a:t>TPR and FPR</a:t>
             </a:r>
-            <a:endParaRPr lang="en-IN" dirty="0"/>
           </a:p>
         </p:txBody>
       </p:sp>
@@ -13765,7 +13592,7 @@
             <a:pPr marL="0" indent="0">
               <a:buNone/>
             </a:pPr>
-            <a:endParaRPr lang="en-US" dirty="0" smtClean="0"/>
+            <a:endParaRPr lang="en-US" dirty="0"/>
           </a:p>
           <a:p>
             <a:pPr marL="0" indent="0">
@@ -13777,13 +13604,7 @@
             <a:pPr marL="0" indent="0">
               <a:buNone/>
             </a:pPr>
-            <a:endParaRPr lang="en-US" dirty="0" smtClean="0"/>
-          </a:p>
-          <a:p>
-            <a:pPr marL="0" indent="0">
-              <a:buNone/>
-            </a:pPr>
-            <a:endParaRPr lang="en-US" dirty="0" smtClean="0"/>
+            <a:endParaRPr lang="en-US" dirty="0"/>
           </a:p>
           <a:p>
             <a:pPr marL="0" indent="0">
@@ -13795,7 +13616,7 @@
             <a:pPr marL="0" indent="0">
               <a:buNone/>
             </a:pPr>
-            <a:endParaRPr lang="en-US" dirty="0" smtClean="0"/>
+            <a:endParaRPr lang="en-US" dirty="0"/>
           </a:p>
           <a:p>
             <a:pPr marL="0" indent="0">
@@ -13807,13 +13628,15 @@
             <a:pPr marL="0" indent="0">
               <a:buNone/>
             </a:pPr>
-            <a:r>
-              <a:rPr lang="en-US" dirty="0" smtClean="0"/>
-              <a:t>So </a:t>
-            </a:r>
+            <a:endParaRPr lang="en-US" dirty="0"/>
+          </a:p>
+          <a:p>
+            <a:pPr marL="0" indent="0">
+              <a:buNone/>
+            </a:pPr>
             <a:r>
               <a:rPr lang="en-US" dirty="0"/>
-              <a:t>the sensitivity can be called as the “</a:t>
+              <a:t>So the sensitivity can be called as the “</a:t>
             </a:r>
             <a:r>
               <a:rPr lang="en-US" b="1" i="1" dirty="0"/>
@@ -13886,13 +13709,6 @@
   <p:clrMapOvr>
     <a:masterClrMapping/>
   </p:clrMapOvr>
-  <p:timing>
-    <p:tnLst>
-      <p:par>
-        <p:cTn id="1" dur="indefinite" restart="never" nodeType="tmRoot"/>
-      </p:par>
-    </p:tnLst>
-  </p:timing>
 </p:sld>
 </file>
 
@@ -13929,10 +13745,9 @@
           <a:lstStyle/>
           <a:p>
             <a:r>
-              <a:rPr lang="en-IN" dirty="0" smtClean="0"/>
+              <a:rPr lang="en-IN" dirty="0"/>
               <a:t>ROC- Best Case</a:t>
             </a:r>
-            <a:endParaRPr lang="en-IN" dirty="0"/>
           </a:p>
         </p:txBody>
       </p:sp>
@@ -14117,21 +13932,8 @@
               <a:buNone/>
               <a:tabLst/>
             </a:pPr>
-            <a:r>
-              <a:rPr kumimoji="0" lang="en-US" altLang="en-US" sz="1800" b="0" i="0" u="none" strike="noStrike" cap="none" normalizeH="0" baseline="0" smtClean="0">
-                <a:ln>
-                  <a:noFill/>
-                </a:ln>
-                <a:solidFill>
-                  <a:schemeClr val="tx1"/>
-                </a:solidFill>
-                <a:effectLst/>
-                <a:latin typeface="Arial" panose="020B0604020202020204" pitchFamily="34" charset="0"/>
-              </a:rPr>
-              <a:t/>
-            </a:r>
             <a:br>
-              <a:rPr kumimoji="0" lang="en-US" altLang="en-US" sz="1800" b="0" i="0" u="none" strike="noStrike" cap="none" normalizeH="0" baseline="0" smtClean="0">
+              <a:rPr kumimoji="0" lang="en-US" altLang="en-US" sz="1800" b="0" i="0" u="none" strike="noStrike" cap="none" normalizeH="0" baseline="0">
                 <a:ln>
                   <a:noFill/>
                 </a:ln>
@@ -14142,7 +13944,7 @@
                 <a:latin typeface="Arial" panose="020B0604020202020204" pitchFamily="34" charset="0"/>
               </a:rPr>
             </a:br>
-            <a:endParaRPr kumimoji="0" lang="en-US" altLang="en-US" sz="1800" b="0" i="0" u="none" strike="noStrike" cap="none" normalizeH="0" baseline="0" smtClean="0">
+            <a:endParaRPr kumimoji="0" lang="en-US" altLang="en-US" sz="1800" b="0" i="0" u="none" strike="noStrike" cap="none" normalizeH="0" baseline="0">
               <a:ln>
                 <a:noFill/>
               </a:ln>
@@ -14165,13 +13967,6 @@
   <p:clrMapOvr>
     <a:masterClrMapping/>
   </p:clrMapOvr>
-  <p:timing>
-    <p:tnLst>
-      <p:par>
-        <p:cTn id="1" dur="indefinite" restart="never" nodeType="tmRoot"/>
-      </p:par>
-    </p:tnLst>
-  </p:timing>
 </p:sld>
 </file>
 
@@ -14208,18 +14003,17 @@
           <a:lstStyle/>
           <a:p>
             <a:r>
-              <a:rPr lang="en-IN" dirty="0" smtClean="0"/>
+              <a:rPr lang="en-IN" dirty="0"/>
               <a:t>ROC- </a:t>
             </a:r>
             <a:r>
-              <a:rPr lang="en-IN" dirty="0" err="1" smtClean="0"/>
+              <a:rPr lang="en-IN" dirty="0" err="1"/>
               <a:t>Avg</a:t>
             </a:r>
             <a:r>
-              <a:rPr lang="en-IN" dirty="0" smtClean="0"/>
+              <a:rPr lang="en-IN" dirty="0"/>
               <a:t>- Case</a:t>
             </a:r>
-            <a:endParaRPr lang="en-IN" dirty="0"/>
           </a:p>
         </p:txBody>
       </p:sp>
@@ -14243,17 +14037,9 @@
           <a:bodyPr/>
           <a:lstStyle/>
           <a:p>
-            <a:r>
-              <a:rPr lang="en-IN" dirty="0"/>
-              <a:t/>
-            </a:r>
             <a:br>
               <a:rPr lang="en-IN" dirty="0"/>
             </a:br>
-            <a:r>
-              <a:rPr lang="en-IN" dirty="0"/>
-              <a:t/>
-            </a:r>
             <a:br>
               <a:rPr lang="en-IN" dirty="0"/>
             </a:br>
@@ -14353,13 +14139,6 @@
   <p:clrMapOvr>
     <a:masterClrMapping/>
   </p:clrMapOvr>
-  <p:timing>
-    <p:tnLst>
-      <p:par>
-        <p:cTn id="1" dur="indefinite" restart="never" nodeType="tmRoot"/>
-      </p:par>
-    </p:tnLst>
-  </p:timing>
 </p:sld>
 </file>
 
@@ -14401,10 +14180,9 @@
           <a:lstStyle/>
           <a:p>
             <a:r>
-              <a:rPr lang="en-IN" dirty="0" smtClean="0"/>
+              <a:rPr lang="en-IN" dirty="0"/>
               <a:t>ROC-Worst Case</a:t>
             </a:r>
-            <a:endParaRPr lang="en-IN" dirty="0"/>
           </a:p>
         </p:txBody>
       </p:sp>
@@ -14502,13 +14280,6 @@
   <p:clrMapOvr>
     <a:masterClrMapping/>
   </p:clrMapOvr>
-  <p:timing>
-    <p:tnLst>
-      <p:par>
-        <p:cTn id="1" dur="indefinite" restart="never" nodeType="tmRoot"/>
-      </p:par>
-    </p:tnLst>
-  </p:timing>
 </p:sld>
 </file>
 
@@ -14741,7 +14512,7 @@
               </a:lnSpc>
             </a:pPr>
             <a:r>
-              <a:rPr lang="en-US" dirty="0" smtClean="0"/>
+              <a:rPr lang="en-US" dirty="0"/>
               <a:t>Techniques to Improve Classification Accuracy: Ensemble Methods</a:t>
             </a:r>
           </a:p>
@@ -14757,21 +14528,6 @@
   <p:clrMapOvr>
     <a:masterClrMapping/>
   </p:clrMapOvr>
-  <mc:AlternateContent xmlns:mc="http://schemas.openxmlformats.org/markup-compatibility/2006" xmlns:p14="http://schemas.microsoft.com/office/powerpoint/2010/main">
-    <mc:Choice Requires="p14">
-      <p:transition spd="slow" p14:dur="2000"/>
-    </mc:Choice>
-    <mc:Fallback xmlns="">
-      <p:transition spd="slow"/>
-    </mc:Fallback>
-  </mc:AlternateContent>
-  <p:timing>
-    <p:tnLst>
-      <p:par>
-        <p:cTn id="1" dur="indefinite" restart="never" nodeType="tmRoot"/>
-      </p:par>
-    </p:tnLst>
-  </p:timing>
 </p:sld>
 </file>
 
@@ -14870,7 +14626,7 @@
           <a:p>
             <a:pPr eaLnBrk="1" hangingPunct="1"/>
             <a:r>
-              <a:rPr lang="en-US" smtClean="0"/>
+              <a:rPr lang="en-US"/>
               <a:t>Ensemble Methods: Increasing the Accuracy</a:t>
             </a:r>
           </a:p>
@@ -15135,21 +14891,6 @@
   <p:clrMapOvr>
     <a:masterClrMapping/>
   </p:clrMapOvr>
-  <mc:AlternateContent xmlns:mc="http://schemas.openxmlformats.org/markup-compatibility/2006" xmlns:p14="http://schemas.microsoft.com/office/powerpoint/2010/main">
-    <mc:Choice Requires="p14">
-      <p:transition spd="slow" p14:dur="2000"/>
-    </mc:Choice>
-    <mc:Fallback xmlns="">
-      <p:transition spd="slow"/>
-    </mc:Fallback>
-  </mc:AlternateContent>
-  <p:timing>
-    <p:tnLst>
-      <p:par>
-        <p:cTn id="1" dur="indefinite" restart="never" nodeType="tmRoot"/>
-      </p:par>
-    </p:tnLst>
-  </p:timing>
 </p:sld>
 </file>
 
@@ -15194,7 +14935,7 @@
           <a:p>
             <a:pPr eaLnBrk="1" hangingPunct="1"/>
             <a:r>
-              <a:rPr lang="en-US" smtClean="0"/>
+              <a:rPr lang="en-US"/>
               <a:t>Bagging: Boostrap Aggregation</a:t>
             </a:r>
           </a:p>
@@ -15536,21 +15277,6 @@
   <p:clrMapOvr>
     <a:masterClrMapping/>
   </p:clrMapOvr>
-  <mc:AlternateContent xmlns:mc="http://schemas.openxmlformats.org/markup-compatibility/2006" xmlns:p14="http://schemas.microsoft.com/office/powerpoint/2010/main">
-    <mc:Choice Requires="p14">
-      <p:transition spd="slow" p14:dur="2000"/>
-    </mc:Choice>
-    <mc:Fallback xmlns="">
-      <p:transition spd="slow"/>
-    </mc:Fallback>
-  </mc:AlternateContent>
-  <p:timing>
-    <p:tnLst>
-      <p:par>
-        <p:cTn id="1" dur="indefinite" restart="never" nodeType="tmRoot"/>
-      </p:par>
-    </p:tnLst>
-  </p:timing>
 </p:sld>
 </file>
 
@@ -15587,7 +15313,7 @@
           <a:lstStyle/>
           <a:p>
             <a:r>
-              <a:rPr lang="en-US" dirty="0" smtClean="0">
+              <a:rPr lang="en-US" dirty="0">
                 <a:latin typeface="Arial" panose="020B0604020202020204" pitchFamily="34" charset="0"/>
                 <a:cs typeface="Arial" panose="020B0604020202020204" pitchFamily="34" charset="0"/>
               </a:rPr>
@@ -15703,16 +15429,12 @@
               </a:lnSpc>
             </a:pPr>
             <a:r>
-              <a:rPr lang="en-US" dirty="0" smtClean="0">
+              <a:rPr lang="en-US" dirty="0">
                 <a:latin typeface="Arial" panose="020B0604020202020204" pitchFamily="34" charset="0"/>
                 <a:cs typeface="Arial" panose="020B0604020202020204" pitchFamily="34" charset="0"/>
               </a:rPr>
               <a:t>Bootstrap</a:t>
             </a:r>
-            <a:endParaRPr lang="en-US" dirty="0">
-              <a:latin typeface="Arial" panose="020B0604020202020204" pitchFamily="34" charset="0"/>
-              <a:cs typeface="Arial" panose="020B0604020202020204" pitchFamily="34" charset="0"/>
-            </a:endParaRPr>
           </a:p>
         </p:txBody>
       </p:sp>
@@ -15881,21 +15603,6 @@
   <p:clrMapOvr>
     <a:masterClrMapping/>
   </p:clrMapOvr>
-  <mc:AlternateContent xmlns:mc="http://schemas.openxmlformats.org/markup-compatibility/2006" xmlns:p14="http://schemas.microsoft.com/office/powerpoint/2010/main">
-    <mc:Choice Requires="p14">
-      <p:transition spd="slow" p14:dur="2000"/>
-    </mc:Choice>
-    <mc:Fallback xmlns="">
-      <p:transition spd="slow"/>
-    </mc:Fallback>
-  </mc:AlternateContent>
-  <p:timing>
-    <p:tnLst>
-      <p:par>
-        <p:cTn id="1" dur="indefinite" restart="never" nodeType="tmRoot"/>
-      </p:par>
-    </p:tnLst>
-  </p:timing>
 </p:sld>
 </file>
 
@@ -15940,7 +15647,7 @@
           <a:p>
             <a:pPr eaLnBrk="1" hangingPunct="1"/>
             <a:r>
-              <a:rPr lang="en-US" smtClean="0"/>
+              <a:rPr lang="en-US"/>
               <a:t>Boosting</a:t>
             </a:r>
             <a:endParaRPr lang="en-US" sz="2800"/>
@@ -16232,21 +15939,6 @@
   <p:clrMapOvr>
     <a:masterClrMapping/>
   </p:clrMapOvr>
-  <mc:AlternateContent xmlns:mc="http://schemas.openxmlformats.org/markup-compatibility/2006" xmlns:p14="http://schemas.microsoft.com/office/powerpoint/2010/main">
-    <mc:Choice Requires="p14">
-      <p:transition spd="slow" p14:dur="2000"/>
-    </mc:Choice>
-    <mc:Fallback xmlns="">
-      <p:transition spd="slow"/>
-    </mc:Fallback>
-  </mc:AlternateContent>
-  <p:timing>
-    <p:tnLst>
-      <p:par>
-        <p:cTn id="1" dur="indefinite" restart="never" nodeType="tmRoot"/>
-      </p:par>
-    </p:tnLst>
-  </p:timing>
 </p:sld>
 </file>
 
@@ -16283,10 +15975,9 @@
           <a:lstStyle/>
           <a:p>
             <a:r>
-              <a:rPr lang="en-IN" dirty="0" smtClean="0"/>
+              <a:rPr lang="en-IN" dirty="0"/>
               <a:t>Bagging and Boosting</a:t>
             </a:r>
-            <a:endParaRPr lang="en-IN" dirty="0"/>
           </a:p>
         </p:txBody>
       </p:sp>
@@ -16326,13 +16017,6 @@
   <p:clrMapOvr>
     <a:masterClrMapping/>
   </p:clrMapOvr>
-  <p:timing>
-    <p:tnLst>
-      <p:par>
-        <p:cTn id="1" dur="indefinite" restart="never" nodeType="tmRoot"/>
-      </p:par>
-    </p:tnLst>
-  </p:timing>
 </p:sld>
 </file>
 
@@ -16525,7 +16209,7 @@
           <a:p>
             <a:pPr eaLnBrk="1" hangingPunct="1"/>
             <a:r>
-              <a:rPr lang="en-US" smtClean="0"/>
+              <a:rPr lang="en-US"/>
               <a:t>Adaboost (Freund and Schapire, 1997)</a:t>
             </a:r>
           </a:p>
@@ -16800,7 +16484,7 @@
           <a:graphicData uri="http://schemas.openxmlformats.org/presentationml/2006/ole">
             <mc:AlternateContent xmlns:mc="http://schemas.openxmlformats.org/markup-compatibility/2006">
               <mc:Choice xmlns:v="urn:schemas-microsoft-com:vml" Requires="v">
-                <p:oleObj spid="_x0000_s1153" name="Equation" r:id="rId4" imgW="1091726" imgH="431613" progId="Equation.3">
+                <p:oleObj spid="_x0000_s1155" name="Equation" r:id="rId4" imgW="1091726" imgH="431613" progId="Equation.3">
                   <p:embed/>
                 </p:oleObj>
               </mc:Choice>
@@ -16900,7 +16584,7 @@
           <a:graphicData uri="http://schemas.openxmlformats.org/presentationml/2006/ole">
             <mc:AlternateContent xmlns:mc="http://schemas.openxmlformats.org/markup-compatibility/2006">
               <mc:Choice xmlns:v="urn:schemas-microsoft-com:vml" Requires="v">
-                <p:oleObj spid="_x0000_s1154" name="Equation" r:id="rId6" imgW="1752600" imgH="444500" progId="Equation.3">
+                <p:oleObj spid="_x0000_s1156" name="Equation" r:id="rId6" imgW="1752600" imgH="444500" progId="Equation.3">
                   <p:embed/>
                 </p:oleObj>
               </mc:Choice>
@@ -16990,13 +16674,6 @@
   <p:transition>
     <p:zoom/>
   </p:transition>
-  <p:timing>
-    <p:tnLst>
-      <p:par>
-        <p:cTn id="1" dur="indefinite" restart="never" nodeType="tmRoot"/>
-      </p:par>
-    </p:tnLst>
-  </p:timing>
 </p:sld>
 </file>
 
@@ -17033,7 +16710,7 @@
           <a:lstStyle/>
           <a:p>
             <a:r>
-              <a:rPr lang="en-US" smtClean="0"/>
+              <a:rPr lang="en-US"/>
               <a:t>Random Forest (</a:t>
             </a:r>
             <a:r>
@@ -17321,21 +16998,6 @@
   <p:clrMapOvr>
     <a:masterClrMapping/>
   </p:clrMapOvr>
-  <mc:AlternateContent xmlns:mc="http://schemas.openxmlformats.org/markup-compatibility/2006" xmlns:p14="http://schemas.microsoft.com/office/powerpoint/2010/main">
-    <mc:Choice Requires="p14">
-      <p:transition spd="slow" p14:dur="2000"/>
-    </mc:Choice>
-    <mc:Fallback xmlns="">
-      <p:transition spd="slow"/>
-    </mc:Fallback>
-  </mc:AlternateContent>
-  <p:timing>
-    <p:tnLst>
-      <p:par>
-        <p:cTn id="1" dur="indefinite" restart="never" nodeType="tmRoot"/>
-      </p:par>
-    </p:tnLst>
-  </p:timing>
 </p:sld>
 </file>
 
@@ -18393,13 +18055,6 @@
   <p:transition>
     <p:zoom/>
   </p:transition>
-  <p:timing>
-    <p:tnLst>
-      <p:par>
-        <p:cTn id="1" dur="indefinite" restart="never" nodeType="tmRoot"/>
-      </p:par>
-    </p:tnLst>
-  </p:timing>
 </p:sld>
 </file>
 
@@ -19870,13 +19525,6 @@
   <p:transition>
     <p:zoom/>
   </p:transition>
-  <p:timing>
-    <p:tnLst>
-      <p:par>
-        <p:cTn id="1" dur="indefinite" restart="never" nodeType="tmRoot"/>
-      </p:par>
-    </p:tnLst>
-  </p:timing>
 </p:sld>
 </file>
 
@@ -21270,7 +20918,7 @@
               <a:tabLst/>
             </a:pPr>
             <a:r>
-              <a:rPr kumimoji="0" lang="en-US" sz="1000" b="0" i="0" u="none" strike="noStrike" cap="none" normalizeH="0" baseline="0" smtClean="0">
+              <a:rPr kumimoji="0" lang="en-US" sz="1000" b="0" i="0" u="none" strike="noStrike" cap="none" normalizeH="0" baseline="0">
                 <a:ln>
                   <a:noFill/>
                 </a:ln>
@@ -21283,7 +20931,7 @@
               </a:rPr>
               <a:t>:</a:t>
             </a:r>
-            <a:endParaRPr kumimoji="0" lang="en-US" sz="1800" b="0" i="0" u="none" strike="noStrike" cap="none" normalizeH="0" baseline="0" smtClean="0">
+            <a:endParaRPr kumimoji="0" lang="en-US" sz="1800" b="0" i="0" u="none" strike="noStrike" cap="none" normalizeH="0" baseline="0">
               <a:ln>
                 <a:noFill/>
               </a:ln>
@@ -21306,13 +20954,6 @@
   <p:clrMapOvr>
     <a:masterClrMapping/>
   </p:clrMapOvr>
-  <p:timing>
-    <p:tnLst>
-      <p:par>
-        <p:cTn id="1" dur="indefinite" restart="never" nodeType="tmRoot"/>
-      </p:par>
-    </p:tnLst>
-  </p:timing>
 </p:sld>
 </file>
 
@@ -21369,13 +21010,8 @@
           <a:p>
             <a:r>
               <a:rPr lang="en-IN" dirty="0"/>
-              <a:t>In this confusion matrix, of the 8 actual cats, the system predicted that three were dogs, and of the six dogs, it predicted that one was a rabbit and two were cats. We can see from the matrix that the system in question has trouble distinguishing between cats and dogs, but can make the distinction between rabbits and other types of animals pretty well. All correct guesses are located in the diagonal of the table, so it's easy to visually inspect the table for errors, as they will be represented by values outside the diagonal</a:t>
-            </a:r>
-            <a:r>
-              <a:rPr lang="en-IN" dirty="0" smtClean="0"/>
-              <a:t>.</a:t>
-            </a:r>
-            <a:endParaRPr lang="en-IN" dirty="0"/>
+              <a:t>In this confusion matrix, of the 8 actual cats, the system predicted that three were dogs, and of the six dogs, it predicted that one was a rabbit and two were cats. We can see from the matrix that the system in question has trouble distinguishing between cats and dogs, but can make the distinction between rabbits and other types of animals pretty well. All correct guesses are located in the diagonal of the table, so it's easy to visually inspect the table for errors, as they will be represented by values outside the diagonal.</a:t>
+            </a:r>
           </a:p>
         </p:txBody>
       </p:sp>
@@ -21389,13 +21025,6 @@
   <p:clrMapOvr>
     <a:masterClrMapping/>
   </p:clrMapOvr>
-  <p:timing>
-    <p:tnLst>
-      <p:par>
-        <p:cTn id="1" dur="indefinite" restart="never" nodeType="tmRoot"/>
-      </p:par>
-    </p:tnLst>
-  </p:timing>
 </p:sld>
 </file>
 
@@ -21512,13 +21141,6 @@
   <p:clrMapOvr>
     <a:masterClrMapping/>
   </p:clrMapOvr>
-  <p:timing>
-    <p:tnLst>
-      <p:par>
-        <p:cTn id="1" dur="indefinite" restart="never" nodeType="tmRoot"/>
-      </p:par>
-    </p:tnLst>
-  </p:timing>
 </p:sld>
 </file>
 
@@ -21555,10 +21177,9 @@
           <a:lstStyle/>
           <a:p>
             <a:r>
-              <a:rPr lang="en-IN" dirty="0" smtClean="0"/>
+              <a:rPr lang="en-IN" dirty="0"/>
               <a:t>Validation Techniques</a:t>
             </a:r>
-            <a:endParaRPr lang="en-IN" dirty="0"/>
           </a:p>
         </p:txBody>
       </p:sp>
@@ -21586,7 +21207,7 @@
               <a:buNone/>
             </a:pPr>
             <a:r>
-              <a:rPr lang="en-IN" dirty="0" smtClean="0">
+              <a:rPr lang="en-IN" dirty="0">
                 <a:latin typeface="Arial" panose="020B0604020202020204" pitchFamily="34" charset="0"/>
                 <a:cs typeface="Arial" panose="020B0604020202020204" pitchFamily="34" charset="0"/>
               </a:rPr>
@@ -21601,56 +21222,28 @@
               <a:buNone/>
             </a:pPr>
             <a:r>
-              <a:rPr lang="en-IN" dirty="0" smtClean="0">
-                <a:latin typeface="Arial" panose="020B0604020202020204" pitchFamily="34" charset="0"/>
-                <a:cs typeface="Arial" panose="020B0604020202020204" pitchFamily="34" charset="0"/>
-              </a:rPr>
-              <a:t>If </a:t>
-            </a:r>
-            <a:r>
               <a:rPr lang="en-IN" dirty="0">
                 <a:latin typeface="Arial" panose="020B0604020202020204" pitchFamily="34" charset="0"/>
                 <a:cs typeface="Arial" panose="020B0604020202020204" pitchFamily="34" charset="0"/>
               </a:rPr>
-              <a:t>all the data is used for training the model and the error rate is evaluated based on outcome vs. actual value from the same training data set, this error is called the </a:t>
-            </a:r>
-            <a:r>
-              <a:rPr lang="en-IN" i="1" dirty="0" smtClean="0">
-                <a:latin typeface="Arial" panose="020B0604020202020204" pitchFamily="34" charset="0"/>
-                <a:cs typeface="Arial" panose="020B0604020202020204" pitchFamily="34" charset="0"/>
-              </a:rPr>
-              <a:t>resubstituting </a:t>
+              <a:t>If all the data is used for training the model and the error rate is evaluated based on outcome vs. actual value from the same training data set, this error is called the </a:t>
             </a:r>
             <a:r>
               <a:rPr lang="en-IN" i="1" dirty="0">
                 <a:latin typeface="Arial" panose="020B0604020202020204" pitchFamily="34" charset="0"/>
                 <a:cs typeface="Arial" panose="020B0604020202020204" pitchFamily="34" charset="0"/>
               </a:rPr>
-              <a:t>error</a:t>
+              <a:t>resubstituting error</a:t>
             </a:r>
             <a:r>
               <a:rPr lang="en-IN" dirty="0">
                 <a:latin typeface="Arial" panose="020B0604020202020204" pitchFamily="34" charset="0"/>
                 <a:cs typeface="Arial" panose="020B0604020202020204" pitchFamily="34" charset="0"/>
               </a:rPr>
-              <a:t>. This technique is called the </a:t>
-            </a:r>
-            <a:r>
-              <a:rPr lang="en-IN" dirty="0" smtClean="0">
-                <a:latin typeface="Arial" panose="020B0604020202020204" pitchFamily="34" charset="0"/>
-                <a:cs typeface="Arial" panose="020B0604020202020204" pitchFamily="34" charset="0"/>
-              </a:rPr>
-              <a:t>resubstituting </a:t>
-            </a:r>
-            <a:r>
-              <a:rPr lang="en-IN" dirty="0">
-                <a:latin typeface="Arial" panose="020B0604020202020204" pitchFamily="34" charset="0"/>
-                <a:cs typeface="Arial" panose="020B0604020202020204" pitchFamily="34" charset="0"/>
-              </a:rPr>
-              <a:t>validation technique</a:t>
-            </a:r>
-            <a:r>
-              <a:rPr lang="en-IN" dirty="0" smtClean="0"/>
+              <a:t>. This technique is called the resubstituting validation technique</a:t>
+            </a:r>
+            <a:r>
+              <a:rPr lang="en-IN" dirty="0"/>
               <a:t>.</a:t>
             </a:r>
           </a:p>
@@ -21668,7 +21261,7 @@
               <a:buNone/>
             </a:pPr>
             <a:r>
-              <a:rPr lang="en-IN" dirty="0" smtClean="0">
+              <a:rPr lang="en-IN" dirty="0">
                 <a:latin typeface="Arial" panose="020B0604020202020204" pitchFamily="34" charset="0"/>
                 <a:cs typeface="Arial" panose="020B0604020202020204" pitchFamily="34" charset="0"/>
               </a:rPr>
@@ -21683,32 +21276,11 @@
               <a:buNone/>
             </a:pPr>
             <a:r>
-              <a:rPr lang="en-IN" dirty="0" smtClean="0">
-                <a:latin typeface="Arial" panose="020B0604020202020204" pitchFamily="34" charset="0"/>
-                <a:cs typeface="Arial" panose="020B0604020202020204" pitchFamily="34" charset="0"/>
-              </a:rPr>
-              <a:t>To </a:t>
-            </a:r>
-            <a:r>
               <a:rPr lang="en-IN" dirty="0">
                 <a:latin typeface="Arial" panose="020B0604020202020204" pitchFamily="34" charset="0"/>
                 <a:cs typeface="Arial" panose="020B0604020202020204" pitchFamily="34" charset="0"/>
               </a:rPr>
-              <a:t>avoid the </a:t>
-            </a:r>
-            <a:r>
-              <a:rPr lang="en-IN" dirty="0" smtClean="0">
-                <a:latin typeface="Arial" panose="020B0604020202020204" pitchFamily="34" charset="0"/>
-                <a:cs typeface="Arial" panose="020B0604020202020204" pitchFamily="34" charset="0"/>
-              </a:rPr>
-              <a:t>resubstituting </a:t>
-            </a:r>
-            <a:r>
-              <a:rPr lang="en-IN" dirty="0">
-                <a:latin typeface="Arial" panose="020B0604020202020204" pitchFamily="34" charset="0"/>
-                <a:cs typeface="Arial" panose="020B0604020202020204" pitchFamily="34" charset="0"/>
-              </a:rPr>
-              <a:t>error, the data is split into two different datasets </a:t>
+              <a:t>To avoid the resubstituting error, the data is split into two different datasets </a:t>
             </a:r>
             <a:r>
               <a:rPr lang="en-IN" dirty="0" err="1">
@@ -21724,10 +21296,6 @@
               </a:rPr>
               <a:t> as a training and a testing dataset. This can be a 60/40 or 70/30 or 80/20 split. This technique is called the hold-out validation technique. In this case, there is a likelihood that uneven distribution of different classes of data is found in training and test dataset. To fix this, the training and test dataset is created with equal distribution of different classes of data. This process is called stratification.</a:t>
             </a:r>
-            <a:endParaRPr lang="en-IN" dirty="0" smtClean="0">
-              <a:latin typeface="Arial" panose="020B0604020202020204" pitchFamily="34" charset="0"/>
-              <a:cs typeface="Arial" panose="020B0604020202020204" pitchFamily="34" charset="0"/>
-            </a:endParaRPr>
           </a:p>
           <a:p>
             <a:pPr marL="457200" lvl="1" indent="0">
@@ -21738,10 +21306,9 @@
           <a:p>
             <a:pPr lvl="1"/>
             <a:r>
-              <a:rPr lang="en-IN" dirty="0" smtClean="0"/>
+              <a:rPr lang="en-IN" dirty="0"/>
               <a:t>LOOCV</a:t>
             </a:r>
-            <a:endParaRPr lang="en-IN" dirty="0"/>
           </a:p>
           <a:p>
             <a:pPr lvl="1"/>
@@ -21816,10 +21383,9 @@
           <a:p>
             <a:pPr lvl="1"/>
             <a:r>
-              <a:rPr lang="en-IN" sz="3200" dirty="0" smtClean="0"/>
+              <a:rPr lang="en-IN" sz="3200" dirty="0"/>
               <a:t>K-fold cross-validation</a:t>
             </a:r>
-            <a:endParaRPr lang="en-IN" sz="3200" dirty="0"/>
           </a:p>
         </p:txBody>
       </p:sp>
@@ -21841,15 +21407,7 @@
             <a:pPr algn="just"/>
             <a:r>
               <a:rPr lang="en-IN" dirty="0"/>
-              <a:t>In this technique, k-1 folds are used for training and the remaining one is used for testing </a:t>
-            </a:r>
-            <a:r>
-              <a:rPr lang="en-IN" dirty="0" smtClean="0"/>
-              <a:t>as </a:t>
-            </a:r>
-            <a:r>
-              <a:rPr lang="en-IN" dirty="0"/>
-              <a:t>shown in the picture given below. The advantage is that entire data is used for training and testing. The error rate of the model is average of the error rate of each iteration. This technique can also be called a form the repeated hold-out method. The error rate could be improved by using stratification technique.</a:t>
+              <a:t>In this technique, k-1 folds are used for training and the remaining one is used for testing as shown in the picture given below. The advantage is that entire data is used for training and testing. The error rate of the model is average of the error rate of each iteration. This technique can also be called a form the repeated hold-out method. The error rate could be improved by using stratification technique.</a:t>
             </a:r>
           </a:p>
         </p:txBody>
@@ -22013,11 +21571,7 @@
             </a:pPr>
             <a:r>
               <a:rPr lang="en-IN" dirty="0"/>
-              <a:t>In this technique, all of the data except one record is used for training and one record is used for testing. This process is repeated for N times if there are N records. The advantage is that entire data is used for training and testing. The error rate of the model is average of the error rate of each iteration. The following diagram represents the LOOCV validation technique</a:t>
-            </a:r>
-            <a:r>
-              <a:rPr lang="en-IN" dirty="0" smtClean="0"/>
-              <a:t>.</a:t>
+              <a:t>In this technique, all of the data except one record is used for training and one record is used for testing. This process is repeated for N times if there are N records. The advantage is that entire data is used for training and testing. The error rate of the model is average of the error rate of each iteration. The following diagram represents the LOOCV validation technique.</a:t>
             </a:r>
           </a:p>
           <a:p>
@@ -22025,10 +21579,9 @@
               <a:buNone/>
             </a:pPr>
             <a:r>
-              <a:rPr lang="en-IN" dirty="0" smtClean="0"/>
+              <a:rPr lang="en-IN" dirty="0"/>
               <a:t> </a:t>
             </a:r>
-            <a:endParaRPr lang="en-IN" dirty="0"/>
           </a:p>
         </p:txBody>
       </p:sp>
@@ -22358,7 +21911,7 @@
           <a:lstStyle/>
           <a:p>
             <a:r>
-              <a:rPr lang="en-US" smtClean="0"/>
+              <a:rPr lang="en-US"/>
               <a:t>Classifier Evaluation Metrics: Confusion Matrix</a:t>
             </a:r>
           </a:p>
@@ -22437,7 +21990,7 @@
                         <a:tabLst/>
                       </a:pPr>
                       <a:r>
-                        <a:rPr kumimoji="0" lang="en-US" sz="2000" b="0" i="0" u="none" strike="noStrike" cap="none" normalizeH="0" baseline="0" smtClean="0">
+                        <a:rPr kumimoji="0" lang="en-US" sz="2000" b="0" i="0" u="none" strike="noStrike" cap="none" normalizeH="0" baseline="0">
                           <a:ln>
                             <a:noFill/>
                           </a:ln>
@@ -22521,7 +22074,7 @@
                         <a:tabLst/>
                       </a:pPr>
                       <a:r>
-                        <a:rPr kumimoji="0" lang="en-US" sz="2000" b="0" i="0" u="none" strike="noStrike" cap="none" normalizeH="0" baseline="0" smtClean="0">
+                        <a:rPr kumimoji="0" lang="en-US" sz="2000" b="0" i="0" u="none" strike="noStrike" cap="none" normalizeH="0" baseline="0">
                           <a:ln>
                             <a:noFill/>
                           </a:ln>
@@ -22605,7 +22158,7 @@
                         <a:tabLst/>
                       </a:pPr>
                       <a:r>
-                        <a:rPr kumimoji="0" lang="en-US" sz="2000" b="0" i="0" u="none" strike="noStrike" cap="none" normalizeH="0" baseline="0" smtClean="0">
+                        <a:rPr kumimoji="0" lang="en-US" sz="2000" b="0" i="0" u="none" strike="noStrike" cap="none" normalizeH="0" baseline="0">
                           <a:ln>
                             <a:noFill/>
                           </a:ln>
@@ -22689,7 +22242,7 @@
                         <a:tabLst/>
                       </a:pPr>
                       <a:r>
-                        <a:rPr kumimoji="0" lang="en-US" sz="2000" b="0" i="0" u="none" strike="noStrike" cap="none" normalizeH="0" baseline="0" smtClean="0">
+                        <a:rPr kumimoji="0" lang="en-US" sz="2000" b="0" i="0" u="none" strike="noStrike" cap="none" normalizeH="0" baseline="0">
                           <a:ln>
                             <a:noFill/>
                           </a:ln>
@@ -22780,7 +22333,7 @@
                         <a:tabLst/>
                       </a:pPr>
                       <a:r>
-                        <a:rPr kumimoji="0" lang="en-US" sz="2000" b="0" i="0" u="none" strike="noStrike" cap="none" normalizeH="0" baseline="0" smtClean="0">
+                        <a:rPr kumimoji="0" lang="en-US" sz="2000" b="0" i="0" u="none" strike="noStrike" cap="none" normalizeH="0" baseline="0">
                           <a:ln>
                             <a:noFill/>
                           </a:ln>
@@ -22864,7 +22417,7 @@
                         <a:tabLst/>
                       </a:pPr>
                       <a:r>
-                        <a:rPr kumimoji="0" lang="en-US" sz="2000" b="1" i="0" u="none" strike="noStrike" cap="none" normalizeH="0" baseline="0" smtClean="0">
+                        <a:rPr kumimoji="0" lang="en-US" sz="2000" b="1" i="0" u="none" strike="noStrike" cap="none" normalizeH="0" baseline="0">
                           <a:ln>
                             <a:noFill/>
                           </a:ln>
@@ -22948,7 +22501,7 @@
                         <a:tabLst/>
                       </a:pPr>
                       <a:r>
-                        <a:rPr kumimoji="0" lang="en-US" sz="2000" b="1" i="0" u="none" strike="noStrike" cap="none" normalizeH="0" baseline="0" smtClean="0">
+                        <a:rPr kumimoji="0" lang="en-US" sz="2000" b="1" i="0" u="none" strike="noStrike" cap="none" normalizeH="0" baseline="0">
                           <a:ln>
                             <a:noFill/>
                           </a:ln>
@@ -23032,7 +22585,7 @@
                         <a:tabLst/>
                       </a:pPr>
                       <a:r>
-                        <a:rPr kumimoji="0" lang="en-US" sz="2000" b="0" i="0" u="none" strike="noStrike" cap="none" normalizeH="0" baseline="0" smtClean="0">
+                        <a:rPr kumimoji="0" lang="en-US" sz="2000" b="0" i="0" u="none" strike="noStrike" cap="none" normalizeH="0" baseline="0">
                           <a:ln>
                             <a:noFill/>
                           </a:ln>
@@ -23123,7 +22676,7 @@
                         <a:tabLst/>
                       </a:pPr>
                       <a:r>
-                        <a:rPr kumimoji="0" lang="en-US" sz="2000" b="0" i="0" u="none" strike="noStrike" cap="none" normalizeH="0" baseline="0" smtClean="0">
+                        <a:rPr kumimoji="0" lang="en-US" sz="2000" b="0" i="0" u="none" strike="noStrike" cap="none" normalizeH="0" baseline="0">
                           <a:ln>
                             <a:noFill/>
                           </a:ln>
@@ -23207,7 +22760,7 @@
                         <a:tabLst/>
                       </a:pPr>
                       <a:r>
-                        <a:rPr kumimoji="0" lang="en-US" sz="2000" b="1" i="0" u="none" strike="noStrike" cap="none" normalizeH="0" baseline="0" smtClean="0">
+                        <a:rPr kumimoji="0" lang="en-US" sz="2000" b="1" i="0" u="none" strike="noStrike" cap="none" normalizeH="0" baseline="0">
                           <a:ln>
                             <a:noFill/>
                           </a:ln>
@@ -23291,7 +22844,7 @@
                         <a:tabLst/>
                       </a:pPr>
                       <a:r>
-                        <a:rPr kumimoji="0" lang="en-US" sz="2000" b="1" i="0" u="none" strike="noStrike" cap="none" normalizeH="0" baseline="0" smtClean="0">
+                        <a:rPr kumimoji="0" lang="en-US" sz="2000" b="1" i="0" u="none" strike="noStrike" cap="none" normalizeH="0" baseline="0">
                           <a:ln>
                             <a:noFill/>
                           </a:ln>
@@ -23375,7 +22928,7 @@
                         <a:tabLst/>
                       </a:pPr>
                       <a:r>
-                        <a:rPr kumimoji="0" lang="en-US" sz="2000" b="0" i="0" u="none" strike="noStrike" cap="none" normalizeH="0" baseline="0" smtClean="0">
+                        <a:rPr kumimoji="0" lang="en-US" sz="2000" b="0" i="0" u="none" strike="noStrike" cap="none" normalizeH="0" baseline="0">
                           <a:ln>
                             <a:noFill/>
                           </a:ln>
@@ -23466,7 +23019,7 @@
                         <a:tabLst/>
                       </a:pPr>
                       <a:r>
-                        <a:rPr kumimoji="0" lang="en-US" sz="2000" b="0" i="0" u="none" strike="noStrike" cap="none" normalizeH="0" baseline="0" smtClean="0">
+                        <a:rPr kumimoji="0" lang="en-US" sz="2000" b="0" i="0" u="none" strike="noStrike" cap="none" normalizeH="0" baseline="0">
                           <a:ln>
                             <a:noFill/>
                           </a:ln>
@@ -23550,7 +23103,7 @@
                         <a:tabLst/>
                       </a:pPr>
                       <a:r>
-                        <a:rPr kumimoji="0" lang="en-US" sz="2000" b="0" i="0" u="none" strike="noStrike" cap="none" normalizeH="0" baseline="0" smtClean="0">
+                        <a:rPr kumimoji="0" lang="en-US" sz="2000" b="0" i="0" u="none" strike="noStrike" cap="none" normalizeH="0" baseline="0">
                           <a:ln>
                             <a:noFill/>
                           </a:ln>
@@ -23634,7 +23187,7 @@
                         <a:tabLst/>
                       </a:pPr>
                       <a:r>
-                        <a:rPr kumimoji="0" lang="en-US" sz="2000" b="0" i="0" u="none" strike="noStrike" cap="none" normalizeH="0" baseline="0" smtClean="0">
+                        <a:rPr kumimoji="0" lang="en-US" sz="2000" b="0" i="0" u="none" strike="noStrike" cap="none" normalizeH="0" baseline="0">
                           <a:ln>
                             <a:noFill/>
                           </a:ln>
@@ -23718,7 +23271,7 @@
                         <a:tabLst/>
                       </a:pPr>
                       <a:r>
-                        <a:rPr kumimoji="0" lang="en-US" sz="2000" b="0" i="0" u="none" strike="noStrike" cap="none" normalizeH="0" baseline="0" smtClean="0">
+                        <a:rPr kumimoji="0" lang="en-US" sz="2000" b="0" i="0" u="none" strike="noStrike" cap="none" normalizeH="0" baseline="0">
                           <a:ln>
                             <a:noFill/>
                           </a:ln>
@@ -24092,7 +23645,7 @@
                         <a:tabLst/>
                       </a:pPr>
                       <a:r>
-                        <a:rPr kumimoji="0" lang="en-US" sz="1800" b="0" i="0" u="none" strike="noStrike" cap="none" normalizeH="0" baseline="0" smtClean="0">
+                        <a:rPr kumimoji="0" lang="en-US" sz="1800" b="0" i="0" u="none" strike="noStrike" cap="none" normalizeH="0" baseline="0">
                           <a:ln>
                             <a:noFill/>
                           </a:ln>
@@ -24176,7 +23729,7 @@
                         <a:tabLst/>
                       </a:pPr>
                       <a:r>
-                        <a:rPr kumimoji="0" lang="en-US" sz="1800" b="0" i="0" u="none" strike="noStrike" cap="none" normalizeH="0" baseline="0" smtClean="0">
+                        <a:rPr kumimoji="0" lang="en-US" sz="1800" b="0" i="0" u="none" strike="noStrike" cap="none" normalizeH="0" baseline="0">
                           <a:ln>
                             <a:noFill/>
                           </a:ln>
@@ -24189,7 +23742,7 @@
                         <a:t>C</a:t>
                       </a:r>
                       <a:r>
-                        <a:rPr kumimoji="0" lang="en-US" sz="1800" b="0" i="0" u="none" strike="noStrike" cap="none" normalizeH="0" baseline="-25000" smtClean="0">
+                        <a:rPr kumimoji="0" lang="en-US" sz="1800" b="0" i="0" u="none" strike="noStrike" cap="none" normalizeH="0" baseline="-25000">
                           <a:ln>
                             <a:noFill/>
                           </a:ln>
@@ -24273,7 +23826,7 @@
                         <a:tabLst/>
                       </a:pPr>
                       <a:r>
-                        <a:rPr kumimoji="0" lang="en-US" sz="1800" b="0" i="0" u="none" strike="noStrike" cap="none" normalizeH="0" baseline="0" smtClean="0">
+                        <a:rPr kumimoji="0" lang="en-US" sz="1800" b="0" i="0" u="none" strike="noStrike" cap="none" normalizeH="0" baseline="0">
                           <a:ln>
                             <a:noFill/>
                           </a:ln>
@@ -24286,7 +23839,7 @@
                         <a:t>¬ C</a:t>
                       </a:r>
                       <a:r>
-                        <a:rPr kumimoji="0" lang="en-US" sz="1800" b="0" i="0" u="none" strike="noStrike" cap="none" normalizeH="0" baseline="-25000" smtClean="0">
+                        <a:rPr kumimoji="0" lang="en-US" sz="1800" b="0" i="0" u="none" strike="noStrike" cap="none" normalizeH="0" baseline="-25000">
                           <a:ln>
                             <a:noFill/>
                           </a:ln>
@@ -24377,7 +23930,7 @@
                         <a:tabLst/>
                       </a:pPr>
                       <a:r>
-                        <a:rPr kumimoji="0" lang="en-US" sz="1800" b="0" i="0" u="none" strike="noStrike" cap="none" normalizeH="0" baseline="0" smtClean="0">
+                        <a:rPr kumimoji="0" lang="en-US" sz="1800" b="0" i="0" u="none" strike="noStrike" cap="none" normalizeH="0" baseline="0">
                           <a:ln>
                             <a:noFill/>
                           </a:ln>
@@ -24390,7 +23943,7 @@
                         <a:t>C</a:t>
                       </a:r>
                       <a:r>
-                        <a:rPr kumimoji="0" lang="en-US" sz="1800" b="0" i="0" u="none" strike="noStrike" cap="none" normalizeH="0" baseline="-25000" smtClean="0">
+                        <a:rPr kumimoji="0" lang="en-US" sz="1800" b="0" i="0" u="none" strike="noStrike" cap="none" normalizeH="0" baseline="-25000">
                           <a:ln>
                             <a:noFill/>
                           </a:ln>
@@ -24474,7 +24027,7 @@
                         <a:tabLst/>
                       </a:pPr>
                       <a:r>
-                        <a:rPr kumimoji="0" lang="en-US" sz="1800" b="1" i="0" u="none" strike="noStrike" cap="none" normalizeH="0" baseline="0" smtClean="0">
+                        <a:rPr kumimoji="0" lang="en-US" sz="1800" b="1" i="0" u="none" strike="noStrike" cap="none" normalizeH="0" baseline="0">
                           <a:ln>
                             <a:noFill/>
                           </a:ln>
@@ -24558,7 +24111,7 @@
                         <a:tabLst/>
                       </a:pPr>
                       <a:r>
-                        <a:rPr kumimoji="0" lang="en-US" sz="1800" b="1" i="0" u="none" strike="noStrike" cap="none" normalizeH="0" baseline="0" smtClean="0">
+                        <a:rPr kumimoji="0" lang="en-US" sz="1800" b="1" i="0" u="none" strike="noStrike" cap="none" normalizeH="0" baseline="0">
                           <a:ln>
                             <a:noFill/>
                           </a:ln>
@@ -24649,7 +24202,7 @@
                         <a:tabLst/>
                       </a:pPr>
                       <a:r>
-                        <a:rPr kumimoji="0" lang="en-US" sz="1800" b="0" i="0" u="none" strike="noStrike" cap="none" normalizeH="0" baseline="0" smtClean="0">
+                        <a:rPr kumimoji="0" lang="en-US" sz="1800" b="0" i="0" u="none" strike="noStrike" cap="none" normalizeH="0" baseline="0">
                           <a:ln>
                             <a:noFill/>
                           </a:ln>
@@ -24662,7 +24215,7 @@
                         <a:t>¬ C</a:t>
                       </a:r>
                       <a:r>
-                        <a:rPr kumimoji="0" lang="en-US" sz="1800" b="0" i="0" u="none" strike="noStrike" cap="none" normalizeH="0" baseline="-25000" smtClean="0">
+                        <a:rPr kumimoji="0" lang="en-US" sz="1800" b="0" i="0" u="none" strike="noStrike" cap="none" normalizeH="0" baseline="-25000">
                           <a:ln>
                             <a:noFill/>
                           </a:ln>
@@ -24746,7 +24299,7 @@
                         <a:tabLst/>
                       </a:pPr>
                       <a:r>
-                        <a:rPr kumimoji="0" lang="en-US" sz="1800" b="1" i="0" u="none" strike="noStrike" cap="none" normalizeH="0" baseline="0" smtClean="0">
+                        <a:rPr kumimoji="0" lang="en-US" sz="1800" b="1" i="0" u="none" strike="noStrike" cap="none" normalizeH="0" baseline="0">
                           <a:ln>
                             <a:noFill/>
                           </a:ln>
@@ -24830,7 +24383,7 @@
                         <a:tabLst/>
                       </a:pPr>
                       <a:r>
-                        <a:rPr kumimoji="0" lang="en-US" sz="1800" b="1" i="0" u="none" strike="noStrike" cap="none" normalizeH="0" baseline="0" smtClean="0">
+                        <a:rPr kumimoji="0" lang="en-US" sz="1800" b="1" i="0" u="none" strike="noStrike" cap="none" normalizeH="0" baseline="0">
                           <a:ln>
                             <a:noFill/>
                           </a:ln>
@@ -25219,13 +24772,6 @@
   <p:transition>
     <p:zoom/>
   </p:transition>
-  <p:timing>
-    <p:tnLst>
-      <p:par>
-        <p:cTn id="1" dur="indefinite" restart="never" nodeType="tmRoot"/>
-      </p:par>
-    </p:tnLst>
-  </p:timing>
 </p:sld>
 </file>
 
